--- a/DATA 621_FINAL.pptx
+++ b/DATA 621_FINAL.pptx
@@ -5,10 +5,10 @@
     <p:sldMasterId id="2147483648" r:id="rId4"/>
   </p:sldMasterIdLst>
   <p:notesMasterIdLst>
-    <p:notesMasterId r:id="rId15"/>
+    <p:notesMasterId r:id="rId20"/>
   </p:notesMasterIdLst>
   <p:handoutMasterIdLst>
-    <p:handoutMasterId r:id="rId16"/>
+    <p:handoutMasterId r:id="rId21"/>
   </p:handoutMasterIdLst>
   <p:sldIdLst>
     <p:sldId id="256" r:id="rId5"/>
@@ -20,7 +20,12 @@
     <p:sldId id="281" r:id="rId11"/>
     <p:sldId id="283" r:id="rId12"/>
     <p:sldId id="282" r:id="rId13"/>
-    <p:sldId id="285" r:id="rId14"/>
+    <p:sldId id="286" r:id="rId14"/>
+    <p:sldId id="287" r:id="rId15"/>
+    <p:sldId id="288" r:id="rId16"/>
+    <p:sldId id="289" r:id="rId17"/>
+    <p:sldId id="290" r:id="rId18"/>
+    <p:sldId id="285" r:id="rId19"/>
   </p:sldIdLst>
   <p:sldSz cx="12192000" cy="6858000"/>
   <p:notesSz cx="6858000" cy="9144000"/>
@@ -255,7 +260,7 @@
           <a:p>
             <a:fld id="{6E5C0719-993D-42E1-80ED-8F01056F36C2}" type="datetimeFigureOut">
               <a:rPr lang="en-US" smtClean="0"/>
-              <a:t>12/15/2023</a:t>
+              <a:t>12/19/2023</a:t>
             </a:fld>
             <a:endParaRPr lang="en-US" dirty="0"/>
           </a:p>
@@ -432,7 +437,7 @@
           <a:p>
             <a:fld id="{21D3BC9C-6C58-464F-B94E-FD73C5FB016E}" type="datetimeFigureOut">
               <a:rPr lang="en-US" smtClean="0"/>
-              <a:t>12/15/2023</a:t>
+              <a:t>12/19/2023</a:t>
             </a:fld>
             <a:endParaRPr lang="en-US" dirty="0"/>
           </a:p>
@@ -857,6 +862,342 @@
     </p:spTree>
     <p:extLst>
       <p:ext uri="{BB962C8B-B14F-4D97-AF65-F5344CB8AC3E}">
+        <p14:creationId xmlns:p14="http://schemas.microsoft.com/office/powerpoint/2010/main" val="1989529302"/>
+      </p:ext>
+    </p:extLst>
+  </p:cSld>
+  <p:clrMapOvr>
+    <a:masterClrMapping/>
+  </p:clrMapOvr>
+</p:notes>
+</file>
+
+<file path=ppt/notesSlides/notesSlide11.xml><?xml version="1.0" encoding="utf-8"?>
+<p:notes xmlns:a="http://schemas.openxmlformats.org/drawingml/2006/main" xmlns:r="http://schemas.openxmlformats.org/officeDocument/2006/relationships" xmlns:p="http://schemas.openxmlformats.org/presentationml/2006/main">
+  <p:cSld>
+    <p:spTree>
+      <p:nvGrpSpPr>
+        <p:cNvPr id="1" name=""/>
+        <p:cNvGrpSpPr/>
+        <p:nvPr/>
+      </p:nvGrpSpPr>
+      <p:grpSpPr>
+        <a:xfrm>
+          <a:off x="0" y="0"/>
+          <a:ext cx="0" cy="0"/>
+          <a:chOff x="0" y="0"/>
+          <a:chExt cx="0" cy="0"/>
+        </a:xfrm>
+      </p:grpSpPr>
+      <p:sp>
+        <p:nvSpPr>
+          <p:cNvPr id="2" name="Slide Image Placeholder 1"/>
+          <p:cNvSpPr>
+            <a:spLocks noGrp="1" noRot="1" noChangeAspect="1"/>
+          </p:cNvSpPr>
+          <p:nvPr>
+            <p:ph type="sldImg"/>
+          </p:nvPr>
+        </p:nvSpPr>
+        <p:spPr/>
+      </p:sp>
+      <p:sp>
+        <p:nvSpPr>
+          <p:cNvPr id="3" name="Notes Placeholder 2"/>
+          <p:cNvSpPr>
+            <a:spLocks noGrp="1"/>
+          </p:cNvSpPr>
+          <p:nvPr>
+            <p:ph type="body" idx="1"/>
+          </p:nvPr>
+        </p:nvSpPr>
+        <p:spPr/>
+        <p:txBody>
+          <a:bodyPr/>
+          <a:lstStyle/>
+          <a:p>
+            <a:endParaRPr lang="en-US" dirty="0"/>
+          </a:p>
+        </p:txBody>
+      </p:sp>
+      <p:sp>
+        <p:nvSpPr>
+          <p:cNvPr id="4" name="Slide Number Placeholder 3"/>
+          <p:cNvSpPr>
+            <a:spLocks noGrp="1"/>
+          </p:cNvSpPr>
+          <p:nvPr>
+            <p:ph type="sldNum" sz="quarter" idx="5"/>
+          </p:nvPr>
+        </p:nvSpPr>
+        <p:spPr/>
+        <p:txBody>
+          <a:bodyPr/>
+          <a:lstStyle/>
+          <a:p>
+            <a:fld id="{BE60DC36-8EFA-4378-9855-E019C55AC472}" type="slidenum">
+              <a:rPr lang="en-US" smtClean="0"/>
+              <a:t>11</a:t>
+            </a:fld>
+            <a:endParaRPr lang="en-US" dirty="0"/>
+          </a:p>
+        </p:txBody>
+      </p:sp>
+    </p:spTree>
+    <p:extLst>
+      <p:ext uri="{BB962C8B-B14F-4D97-AF65-F5344CB8AC3E}">
+        <p14:creationId xmlns:p14="http://schemas.microsoft.com/office/powerpoint/2010/main" val="1327673035"/>
+      </p:ext>
+    </p:extLst>
+  </p:cSld>
+  <p:clrMapOvr>
+    <a:masterClrMapping/>
+  </p:clrMapOvr>
+</p:notes>
+</file>
+
+<file path=ppt/notesSlides/notesSlide12.xml><?xml version="1.0" encoding="utf-8"?>
+<p:notes xmlns:a="http://schemas.openxmlformats.org/drawingml/2006/main" xmlns:r="http://schemas.openxmlformats.org/officeDocument/2006/relationships" xmlns:p="http://schemas.openxmlformats.org/presentationml/2006/main">
+  <p:cSld>
+    <p:spTree>
+      <p:nvGrpSpPr>
+        <p:cNvPr id="1" name=""/>
+        <p:cNvGrpSpPr/>
+        <p:nvPr/>
+      </p:nvGrpSpPr>
+      <p:grpSpPr>
+        <a:xfrm>
+          <a:off x="0" y="0"/>
+          <a:ext cx="0" cy="0"/>
+          <a:chOff x="0" y="0"/>
+          <a:chExt cx="0" cy="0"/>
+        </a:xfrm>
+      </p:grpSpPr>
+      <p:sp>
+        <p:nvSpPr>
+          <p:cNvPr id="2" name="Slide Image Placeholder 1"/>
+          <p:cNvSpPr>
+            <a:spLocks noGrp="1" noRot="1" noChangeAspect="1"/>
+          </p:cNvSpPr>
+          <p:nvPr>
+            <p:ph type="sldImg"/>
+          </p:nvPr>
+        </p:nvSpPr>
+        <p:spPr/>
+      </p:sp>
+      <p:sp>
+        <p:nvSpPr>
+          <p:cNvPr id="3" name="Notes Placeholder 2"/>
+          <p:cNvSpPr>
+            <a:spLocks noGrp="1"/>
+          </p:cNvSpPr>
+          <p:nvPr>
+            <p:ph type="body" idx="1"/>
+          </p:nvPr>
+        </p:nvSpPr>
+        <p:spPr/>
+        <p:txBody>
+          <a:bodyPr/>
+          <a:lstStyle/>
+          <a:p>
+            <a:endParaRPr lang="en-US" dirty="0"/>
+          </a:p>
+        </p:txBody>
+      </p:sp>
+      <p:sp>
+        <p:nvSpPr>
+          <p:cNvPr id="4" name="Slide Number Placeholder 3"/>
+          <p:cNvSpPr>
+            <a:spLocks noGrp="1"/>
+          </p:cNvSpPr>
+          <p:nvPr>
+            <p:ph type="sldNum" sz="quarter" idx="5"/>
+          </p:nvPr>
+        </p:nvSpPr>
+        <p:spPr/>
+        <p:txBody>
+          <a:bodyPr/>
+          <a:lstStyle/>
+          <a:p>
+            <a:fld id="{BE60DC36-8EFA-4378-9855-E019C55AC472}" type="slidenum">
+              <a:rPr lang="en-US" smtClean="0"/>
+              <a:t>12</a:t>
+            </a:fld>
+            <a:endParaRPr lang="en-US" dirty="0"/>
+          </a:p>
+        </p:txBody>
+      </p:sp>
+    </p:spTree>
+    <p:extLst>
+      <p:ext uri="{BB962C8B-B14F-4D97-AF65-F5344CB8AC3E}">
+        <p14:creationId xmlns:p14="http://schemas.microsoft.com/office/powerpoint/2010/main" val="2053008159"/>
+      </p:ext>
+    </p:extLst>
+  </p:cSld>
+  <p:clrMapOvr>
+    <a:masterClrMapping/>
+  </p:clrMapOvr>
+</p:notes>
+</file>
+
+<file path=ppt/notesSlides/notesSlide13.xml><?xml version="1.0" encoding="utf-8"?>
+<p:notes xmlns:a="http://schemas.openxmlformats.org/drawingml/2006/main" xmlns:r="http://schemas.openxmlformats.org/officeDocument/2006/relationships" xmlns:p="http://schemas.openxmlformats.org/presentationml/2006/main">
+  <p:cSld>
+    <p:spTree>
+      <p:nvGrpSpPr>
+        <p:cNvPr id="1" name=""/>
+        <p:cNvGrpSpPr/>
+        <p:nvPr/>
+      </p:nvGrpSpPr>
+      <p:grpSpPr>
+        <a:xfrm>
+          <a:off x="0" y="0"/>
+          <a:ext cx="0" cy="0"/>
+          <a:chOff x="0" y="0"/>
+          <a:chExt cx="0" cy="0"/>
+        </a:xfrm>
+      </p:grpSpPr>
+      <p:sp>
+        <p:nvSpPr>
+          <p:cNvPr id="2" name="Slide Image Placeholder 1"/>
+          <p:cNvSpPr>
+            <a:spLocks noGrp="1" noRot="1" noChangeAspect="1"/>
+          </p:cNvSpPr>
+          <p:nvPr>
+            <p:ph type="sldImg"/>
+          </p:nvPr>
+        </p:nvSpPr>
+        <p:spPr/>
+      </p:sp>
+      <p:sp>
+        <p:nvSpPr>
+          <p:cNvPr id="3" name="Notes Placeholder 2"/>
+          <p:cNvSpPr>
+            <a:spLocks noGrp="1"/>
+          </p:cNvSpPr>
+          <p:nvPr>
+            <p:ph type="body" idx="1"/>
+          </p:nvPr>
+        </p:nvSpPr>
+        <p:spPr/>
+        <p:txBody>
+          <a:bodyPr/>
+          <a:lstStyle/>
+          <a:p>
+            <a:endParaRPr lang="en-US" dirty="0"/>
+          </a:p>
+        </p:txBody>
+      </p:sp>
+      <p:sp>
+        <p:nvSpPr>
+          <p:cNvPr id="4" name="Slide Number Placeholder 3"/>
+          <p:cNvSpPr>
+            <a:spLocks noGrp="1"/>
+          </p:cNvSpPr>
+          <p:nvPr>
+            <p:ph type="sldNum" sz="quarter" idx="5"/>
+          </p:nvPr>
+        </p:nvSpPr>
+        <p:spPr/>
+        <p:txBody>
+          <a:bodyPr/>
+          <a:lstStyle/>
+          <a:p>
+            <a:fld id="{BE60DC36-8EFA-4378-9855-E019C55AC472}" type="slidenum">
+              <a:rPr lang="en-US" smtClean="0"/>
+              <a:t>13</a:t>
+            </a:fld>
+            <a:endParaRPr lang="en-US" dirty="0"/>
+          </a:p>
+        </p:txBody>
+      </p:sp>
+    </p:spTree>
+    <p:extLst>
+      <p:ext uri="{BB962C8B-B14F-4D97-AF65-F5344CB8AC3E}">
+        <p14:creationId xmlns:p14="http://schemas.microsoft.com/office/powerpoint/2010/main" val="4174726130"/>
+      </p:ext>
+    </p:extLst>
+  </p:cSld>
+  <p:clrMapOvr>
+    <a:masterClrMapping/>
+  </p:clrMapOvr>
+</p:notes>
+</file>
+
+<file path=ppt/notesSlides/notesSlide14.xml><?xml version="1.0" encoding="utf-8"?>
+<p:notes xmlns:a="http://schemas.openxmlformats.org/drawingml/2006/main" xmlns:r="http://schemas.openxmlformats.org/officeDocument/2006/relationships" xmlns:p="http://schemas.openxmlformats.org/presentationml/2006/main">
+  <p:cSld>
+    <p:spTree>
+      <p:nvGrpSpPr>
+        <p:cNvPr id="1" name=""/>
+        <p:cNvGrpSpPr/>
+        <p:nvPr/>
+      </p:nvGrpSpPr>
+      <p:grpSpPr>
+        <a:xfrm>
+          <a:off x="0" y="0"/>
+          <a:ext cx="0" cy="0"/>
+          <a:chOff x="0" y="0"/>
+          <a:chExt cx="0" cy="0"/>
+        </a:xfrm>
+      </p:grpSpPr>
+      <p:sp>
+        <p:nvSpPr>
+          <p:cNvPr id="2" name="Slide Image Placeholder 1"/>
+          <p:cNvSpPr>
+            <a:spLocks noGrp="1" noRot="1" noChangeAspect="1"/>
+          </p:cNvSpPr>
+          <p:nvPr>
+            <p:ph type="sldImg"/>
+          </p:nvPr>
+        </p:nvSpPr>
+        <p:spPr/>
+      </p:sp>
+      <p:sp>
+        <p:nvSpPr>
+          <p:cNvPr id="3" name="Notes Placeholder 2"/>
+          <p:cNvSpPr>
+            <a:spLocks noGrp="1"/>
+          </p:cNvSpPr>
+          <p:nvPr>
+            <p:ph type="body" idx="1"/>
+          </p:nvPr>
+        </p:nvSpPr>
+        <p:spPr/>
+        <p:txBody>
+          <a:bodyPr/>
+          <a:lstStyle/>
+          <a:p>
+            <a:endParaRPr lang="en-US" dirty="0"/>
+          </a:p>
+        </p:txBody>
+      </p:sp>
+      <p:sp>
+        <p:nvSpPr>
+          <p:cNvPr id="4" name="Slide Number Placeholder 3"/>
+          <p:cNvSpPr>
+            <a:spLocks noGrp="1"/>
+          </p:cNvSpPr>
+          <p:nvPr>
+            <p:ph type="sldNum" sz="quarter" idx="5"/>
+          </p:nvPr>
+        </p:nvSpPr>
+        <p:spPr/>
+        <p:txBody>
+          <a:bodyPr/>
+          <a:lstStyle/>
+          <a:p>
+            <a:fld id="{BE60DC36-8EFA-4378-9855-E019C55AC472}" type="slidenum">
+              <a:rPr lang="en-US" smtClean="0"/>
+              <a:t>15</a:t>
+            </a:fld>
+            <a:endParaRPr lang="en-US" dirty="0"/>
+          </a:p>
+        </p:txBody>
+      </p:sp>
+    </p:spTree>
+    <p:extLst>
+      <p:ext uri="{BB962C8B-B14F-4D97-AF65-F5344CB8AC3E}">
         <p14:creationId xmlns:p14="http://schemas.microsoft.com/office/powerpoint/2010/main" val="396791894"/>
       </p:ext>
     </p:extLst>
@@ -1686,7 +2027,7 @@
           <a:p>
             <a:fld id="{40DA1498-92C7-4E4B-8045-C9195F453964}" type="datetimeFigureOut">
               <a:rPr lang="en-US" smtClean="0"/>
-              <a:t>12/15/2023</a:t>
+              <a:t>12/19/2023</a:t>
             </a:fld>
             <a:endParaRPr lang="en-US" dirty="0"/>
           </a:p>
@@ -1884,7 +2225,7 @@
           <a:p>
             <a:fld id="{40DA1498-92C7-4E4B-8045-C9195F453964}" type="datetimeFigureOut">
               <a:rPr lang="en-US" smtClean="0"/>
-              <a:t>12/15/2023</a:t>
+              <a:t>12/19/2023</a:t>
             </a:fld>
             <a:endParaRPr lang="en-US" dirty="0"/>
           </a:p>
@@ -2092,7 +2433,7 @@
           <a:p>
             <a:fld id="{40DA1498-92C7-4E4B-8045-C9195F453964}" type="datetimeFigureOut">
               <a:rPr lang="en-US" smtClean="0"/>
-              <a:t>12/15/2023</a:t>
+              <a:t>12/19/2023</a:t>
             </a:fld>
             <a:endParaRPr lang="en-US" dirty="0"/>
           </a:p>
@@ -2290,7 +2631,7 @@
           <a:p>
             <a:fld id="{40DA1498-92C7-4E4B-8045-C9195F453964}" type="datetimeFigureOut">
               <a:rPr lang="en-US" smtClean="0"/>
-              <a:t>12/15/2023</a:t>
+              <a:t>12/19/2023</a:t>
             </a:fld>
             <a:endParaRPr lang="en-US" dirty="0"/>
           </a:p>
@@ -2565,7 +2906,7 @@
           <a:p>
             <a:fld id="{40DA1498-92C7-4E4B-8045-C9195F453964}" type="datetimeFigureOut">
               <a:rPr lang="en-US" smtClean="0"/>
-              <a:t>12/15/2023</a:t>
+              <a:t>12/19/2023</a:t>
             </a:fld>
             <a:endParaRPr lang="en-US" dirty="0"/>
           </a:p>
@@ -2830,7 +3171,7 @@
           <a:p>
             <a:fld id="{40DA1498-92C7-4E4B-8045-C9195F453964}" type="datetimeFigureOut">
               <a:rPr lang="en-US" smtClean="0"/>
-              <a:t>12/15/2023</a:t>
+              <a:t>12/19/2023</a:t>
             </a:fld>
             <a:endParaRPr lang="en-US" dirty="0"/>
           </a:p>
@@ -3242,7 +3583,7 @@
           <a:p>
             <a:fld id="{40DA1498-92C7-4E4B-8045-C9195F453964}" type="datetimeFigureOut">
               <a:rPr lang="en-US" smtClean="0"/>
-              <a:t>12/15/2023</a:t>
+              <a:t>12/19/2023</a:t>
             </a:fld>
             <a:endParaRPr lang="en-US" dirty="0"/>
           </a:p>
@@ -3383,7 +3724,7 @@
           <a:p>
             <a:fld id="{40DA1498-92C7-4E4B-8045-C9195F453964}" type="datetimeFigureOut">
               <a:rPr lang="en-US" smtClean="0"/>
-              <a:t>12/15/2023</a:t>
+              <a:t>12/19/2023</a:t>
             </a:fld>
             <a:endParaRPr lang="en-US" dirty="0"/>
           </a:p>
@@ -3496,7 +3837,7 @@
           <a:p>
             <a:fld id="{40DA1498-92C7-4E4B-8045-C9195F453964}" type="datetimeFigureOut">
               <a:rPr lang="en-US" smtClean="0"/>
-              <a:t>12/15/2023</a:t>
+              <a:t>12/19/2023</a:t>
             </a:fld>
             <a:endParaRPr lang="en-US" dirty="0"/>
           </a:p>
@@ -3807,7 +4148,7 @@
           <a:p>
             <a:fld id="{40DA1498-92C7-4E4B-8045-C9195F453964}" type="datetimeFigureOut">
               <a:rPr lang="en-US" smtClean="0"/>
-              <a:t>12/15/2023</a:t>
+              <a:t>12/19/2023</a:t>
             </a:fld>
             <a:endParaRPr lang="en-US" dirty="0"/>
           </a:p>
@@ -4099,7 +4440,7 @@
           <a:p>
             <a:fld id="{40DA1498-92C7-4E4B-8045-C9195F453964}" type="datetimeFigureOut">
               <a:rPr lang="en-US" smtClean="0"/>
-              <a:t>12/15/2023</a:t>
+              <a:t>12/19/2023</a:t>
             </a:fld>
             <a:endParaRPr lang="en-US" dirty="0"/>
           </a:p>
@@ -4340,7 +4681,7 @@
           <a:p>
             <a:fld id="{40DA1498-92C7-4E4B-8045-C9195F453964}" type="datetimeFigureOut">
               <a:rPr lang="en-US" smtClean="0"/>
-              <a:t>12/15/2023</a:t>
+              <a:t>12/19/2023</a:t>
             </a:fld>
             <a:endParaRPr lang="en-US" dirty="0"/>
           </a:p>
@@ -6321,6 +6662,1922 @@
 <file path=ppt/slides/slide10.xml><?xml version="1.0" encoding="utf-8"?>
 <p:sld xmlns:a="http://schemas.openxmlformats.org/drawingml/2006/main" xmlns:r="http://schemas.openxmlformats.org/officeDocument/2006/relationships" xmlns:p="http://schemas.openxmlformats.org/presentationml/2006/main">
   <p:cSld>
+    <p:spTree>
+      <p:nvGrpSpPr>
+        <p:cNvPr id="1" name=""/>
+        <p:cNvGrpSpPr/>
+        <p:nvPr/>
+      </p:nvGrpSpPr>
+      <p:grpSpPr>
+        <a:xfrm>
+          <a:off x="0" y="0"/>
+          <a:ext cx="0" cy="0"/>
+          <a:chOff x="0" y="0"/>
+          <a:chExt cx="0" cy="0"/>
+        </a:xfrm>
+      </p:grpSpPr>
+      <p:sp>
+        <p:nvSpPr>
+          <p:cNvPr id="7" name="Title 6" hidden="1">
+            <a:extLst>
+              <a:ext uri="{FF2B5EF4-FFF2-40B4-BE49-F238E27FC236}">
+                <a16:creationId xmlns:a16="http://schemas.microsoft.com/office/drawing/2014/main" id="{7C70995F-D8C5-410A-AA8B-1EE172A29454}"/>
+              </a:ext>
+            </a:extLst>
+          </p:cNvPr>
+          <p:cNvSpPr>
+            <a:spLocks noGrp="1"/>
+          </p:cNvSpPr>
+          <p:nvPr>
+            <p:ph type="title" idx="4294967295"/>
+          </p:nvPr>
+        </p:nvSpPr>
+        <p:spPr>
+          <a:xfrm>
+            <a:off x="0" y="365125"/>
+            <a:ext cx="10515600" cy="1325563"/>
+          </a:xfrm>
+        </p:spPr>
+        <p:txBody>
+          <a:bodyPr/>
+          <a:lstStyle/>
+          <a:p>
+            <a:r>
+              <a:rPr lang="en-US" dirty="0"/>
+              <a:t>Project analysis slide 10</a:t>
+            </a:r>
+          </a:p>
+        </p:txBody>
+      </p:sp>
+      <p:cxnSp>
+        <p:nvCxnSpPr>
+          <p:cNvPr id="8" name="Straight Connector 7">
+            <a:extLst>
+              <a:ext uri="{FF2B5EF4-FFF2-40B4-BE49-F238E27FC236}">
+                <a16:creationId xmlns:a16="http://schemas.microsoft.com/office/drawing/2014/main" id="{D0986099-F5F2-4E8B-BE17-81194861A00C}"/>
+              </a:ext>
+              <a:ext uri="{C183D7F6-B498-43B3-948B-1728B52AA6E4}">
+                <adec:decorative xmlns:adec="http://schemas.microsoft.com/office/drawing/2017/decorative" val="1"/>
+              </a:ext>
+            </a:extLst>
+          </p:cNvPr>
+          <p:cNvCxnSpPr>
+            <a:cxnSpLocks/>
+          </p:cNvCxnSpPr>
+          <p:nvPr/>
+        </p:nvCxnSpPr>
+        <p:spPr>
+          <a:xfrm>
+            <a:off x="8105775" y="522898"/>
+            <a:ext cx="4086225" cy="0"/>
+          </a:xfrm>
+          <a:prstGeom prst="line">
+            <a:avLst/>
+          </a:prstGeom>
+          <a:ln>
+            <a:solidFill>
+              <a:schemeClr val="accent3">
+                <a:lumMod val="50000"/>
+              </a:schemeClr>
+            </a:solidFill>
+            <a:headEnd type="oval"/>
+          </a:ln>
+        </p:spPr>
+        <p:style>
+          <a:lnRef idx="1">
+            <a:schemeClr val="accent1"/>
+          </a:lnRef>
+          <a:fillRef idx="0">
+            <a:schemeClr val="accent1"/>
+          </a:fillRef>
+          <a:effectRef idx="0">
+            <a:schemeClr val="accent1"/>
+          </a:effectRef>
+          <a:fontRef idx="minor">
+            <a:schemeClr val="tx1"/>
+          </a:fontRef>
+        </p:style>
+      </p:cxnSp>
+      <p:sp>
+        <p:nvSpPr>
+          <p:cNvPr id="11" name="Title 1">
+            <a:extLst>
+              <a:ext uri="{FF2B5EF4-FFF2-40B4-BE49-F238E27FC236}">
+                <a16:creationId xmlns:a16="http://schemas.microsoft.com/office/drawing/2014/main" id="{4E3F5479-058B-4FA8-92E9-18CAB8CDC5C5}"/>
+              </a:ext>
+            </a:extLst>
+          </p:cNvPr>
+          <p:cNvSpPr txBox="1">
+            <a:spLocks/>
+          </p:cNvSpPr>
+          <p:nvPr/>
+        </p:nvSpPr>
+        <p:spPr>
+          <a:xfrm>
+            <a:off x="228600" y="190500"/>
+            <a:ext cx="11734800" cy="1052596"/>
+          </a:xfrm>
+          <a:prstGeom prst="rect">
+            <a:avLst/>
+          </a:prstGeom>
+        </p:spPr>
+        <p:txBody>
+          <a:bodyPr vert="horz" wrap="square" lIns="0" tIns="0" rIns="0" bIns="0" rtlCol="0" anchor="t">
+            <a:spAutoFit/>
+          </a:bodyPr>
+          <a:lstStyle>
+            <a:lvl1pPr algn="l" defTabSz="914400" rtl="0" eaLnBrk="1" latinLnBrk="0" hangingPunct="1">
+              <a:lnSpc>
+                <a:spcPct val="90000"/>
+              </a:lnSpc>
+              <a:spcBef>
+                <a:spcPct val="0"/>
+              </a:spcBef>
+              <a:buNone/>
+              <a:defRPr sz="4400" kern="1200">
+                <a:solidFill>
+                  <a:schemeClr val="tx1"/>
+                </a:solidFill>
+                <a:latin typeface="+mj-lt"/>
+                <a:ea typeface="+mj-ea"/>
+                <a:cs typeface="+mj-cs"/>
+              </a:defRPr>
+            </a:lvl1pPr>
+          </a:lstStyle>
+          <a:p>
+            <a:pPr algn="ctr"/>
+            <a:r>
+              <a:rPr lang="en-US" sz="2800" b="1" dirty="0">
+                <a:solidFill>
+                  <a:schemeClr val="tx1">
+                    <a:lumMod val="75000"/>
+                    <a:lumOff val="25000"/>
+                  </a:schemeClr>
+                </a:solidFill>
+              </a:rPr>
+              <a:t>Model</a:t>
+            </a:r>
+          </a:p>
+          <a:p>
+            <a:pPr algn="ctr"/>
+            <a:r>
+              <a:rPr lang="en-US" sz="2800" b="1" dirty="0">
+                <a:solidFill>
+                  <a:schemeClr val="tx1">
+                    <a:lumMod val="75000"/>
+                    <a:lumOff val="25000"/>
+                  </a:schemeClr>
+                </a:solidFill>
+              </a:rPr>
+              <a:t>(cont’d)</a:t>
+            </a:r>
+            <a:br>
+              <a:rPr lang="en-US" sz="2800" dirty="0">
+                <a:solidFill>
+                  <a:schemeClr val="tx1">
+                    <a:lumMod val="75000"/>
+                    <a:lumOff val="25000"/>
+                  </a:schemeClr>
+                </a:solidFill>
+              </a:rPr>
+            </a:br>
+            <a:r>
+              <a:rPr lang="en-US" sz="2000" dirty="0">
+                <a:solidFill>
+                  <a:schemeClr val="tx1">
+                    <a:lumMod val="75000"/>
+                    <a:lumOff val="25000"/>
+                  </a:schemeClr>
+                </a:solidFill>
+              </a:rPr>
+              <a:t> </a:t>
+            </a:r>
+            <a:endParaRPr lang="en-US" sz="2800" dirty="0">
+              <a:solidFill>
+                <a:schemeClr val="tx1">
+                  <a:lumMod val="75000"/>
+                  <a:lumOff val="25000"/>
+                </a:schemeClr>
+              </a:solidFill>
+            </a:endParaRPr>
+          </a:p>
+        </p:txBody>
+      </p:sp>
+      <p:cxnSp>
+        <p:nvCxnSpPr>
+          <p:cNvPr id="14" name="Straight Connector 13">
+            <a:extLst>
+              <a:ext uri="{FF2B5EF4-FFF2-40B4-BE49-F238E27FC236}">
+                <a16:creationId xmlns:a16="http://schemas.microsoft.com/office/drawing/2014/main" id="{83E690F4-843A-47A5-8620-4FB01C0D8E68}"/>
+              </a:ext>
+              <a:ext uri="{C183D7F6-B498-43B3-948B-1728B52AA6E4}">
+                <adec:decorative xmlns:adec="http://schemas.microsoft.com/office/drawing/2017/decorative" val="1"/>
+              </a:ext>
+            </a:extLst>
+          </p:cNvPr>
+          <p:cNvCxnSpPr>
+            <a:cxnSpLocks/>
+          </p:cNvCxnSpPr>
+          <p:nvPr/>
+        </p:nvCxnSpPr>
+        <p:spPr>
+          <a:xfrm>
+            <a:off x="0" y="522898"/>
+            <a:ext cx="4086225" cy="0"/>
+          </a:xfrm>
+          <a:prstGeom prst="line">
+            <a:avLst/>
+          </a:prstGeom>
+          <a:ln>
+            <a:solidFill>
+              <a:schemeClr val="accent3">
+                <a:lumMod val="50000"/>
+              </a:schemeClr>
+            </a:solidFill>
+            <a:tailEnd type="oval"/>
+          </a:ln>
+        </p:spPr>
+        <p:style>
+          <a:lnRef idx="1">
+            <a:schemeClr val="accent1"/>
+          </a:lnRef>
+          <a:fillRef idx="0">
+            <a:schemeClr val="accent1"/>
+          </a:fillRef>
+          <a:effectRef idx="0">
+            <a:schemeClr val="accent1"/>
+          </a:effectRef>
+          <a:fontRef idx="minor">
+            <a:schemeClr val="tx1"/>
+          </a:fontRef>
+        </p:style>
+      </p:cxnSp>
+      <p:sp>
+        <p:nvSpPr>
+          <p:cNvPr id="6" name="TextBox 5">
+            <a:extLst>
+              <a:ext uri="{FF2B5EF4-FFF2-40B4-BE49-F238E27FC236}">
+                <a16:creationId xmlns:a16="http://schemas.microsoft.com/office/drawing/2014/main" id="{7782B172-2423-E45D-F00E-084493B44B05}"/>
+              </a:ext>
+            </a:extLst>
+          </p:cNvPr>
+          <p:cNvSpPr txBox="1"/>
+          <p:nvPr/>
+        </p:nvSpPr>
+        <p:spPr>
+          <a:xfrm>
+            <a:off x="4850027" y="2157539"/>
+            <a:ext cx="7039232" cy="3139321"/>
+          </a:xfrm>
+          <a:prstGeom prst="rect">
+            <a:avLst/>
+          </a:prstGeom>
+          <a:noFill/>
+        </p:spPr>
+        <p:txBody>
+          <a:bodyPr wrap="square" rtlCol="0">
+            <a:spAutoFit/>
+          </a:bodyPr>
+          <a:lstStyle/>
+          <a:p>
+            <a:pPr marL="285750" indent="-285750">
+              <a:buFont typeface="Arial" panose="020B0604020202020204" pitchFamily="34" charset="0"/>
+              <a:buChar char="•"/>
+            </a:pPr>
+            <a:r>
+              <a:rPr lang="en-US" dirty="0"/>
+              <a:t>Function </a:t>
+            </a:r>
+            <a:r>
+              <a:rPr lang="en-US" dirty="0" err="1"/>
+              <a:t>glm</a:t>
+            </a:r>
+            <a:r>
+              <a:rPr lang="en-US" dirty="0"/>
+              <a:t>() was used to fit our generalized linear model, which gives a symbolic description of the predictor and error distribution. </a:t>
+            </a:r>
+          </a:p>
+          <a:p>
+            <a:pPr marL="285750" indent="-285750">
+              <a:buFont typeface="Arial" panose="020B0604020202020204" pitchFamily="34" charset="0"/>
+              <a:buChar char="•"/>
+            </a:pPr>
+            <a:r>
+              <a:rPr lang="en-US" dirty="0"/>
+              <a:t>Because the crimes were categorized using a binomial value, ‘family’ was set to ‘binomial’ for a binomial regression model. </a:t>
+            </a:r>
+          </a:p>
+          <a:p>
+            <a:pPr marL="285750" indent="-285750">
+              <a:buFont typeface="Arial" panose="020B0604020202020204" pitchFamily="34" charset="0"/>
+              <a:buChar char="•"/>
+            </a:pPr>
+            <a:r>
+              <a:rPr lang="en-US" dirty="0"/>
+              <a:t>The results along with summary data indicated a weak correlation.</a:t>
+            </a:r>
+          </a:p>
+          <a:p>
+            <a:pPr marL="285750" indent="-285750">
+              <a:buFont typeface="Arial" panose="020B0604020202020204" pitchFamily="34" charset="0"/>
+              <a:buChar char="•"/>
+            </a:pPr>
+            <a:r>
+              <a:rPr lang="en-US" dirty="0"/>
+              <a:t>There is a lack of statistical significance in this model, for our dependent and independent variables.</a:t>
+            </a:r>
+          </a:p>
+          <a:p>
+            <a:pPr marL="285750" indent="-285750">
+              <a:buFont typeface="Arial" panose="020B0604020202020204" pitchFamily="34" charset="0"/>
+              <a:buChar char="•"/>
+            </a:pPr>
+            <a:r>
+              <a:rPr lang="en-US" dirty="0"/>
+              <a:t>Notably the Akaike Information Criterion (AIC) value gave a false positive reading for our data.</a:t>
+            </a:r>
+          </a:p>
+          <a:p>
+            <a:pPr marL="285750" indent="-285750">
+              <a:buFont typeface="Arial" panose="020B0604020202020204" pitchFamily="34" charset="0"/>
+              <a:buChar char="•"/>
+            </a:pPr>
+            <a:r>
+              <a:rPr lang="en-US" dirty="0"/>
+              <a:t>There was not enough evidence from this finding to reject the null hypothesis.</a:t>
+            </a:r>
+          </a:p>
+        </p:txBody>
+      </p:sp>
+      <p:pic>
+        <p:nvPicPr>
+          <p:cNvPr id="4" name="Picture 3">
+            <a:extLst>
+              <a:ext uri="{FF2B5EF4-FFF2-40B4-BE49-F238E27FC236}">
+                <a16:creationId xmlns:a16="http://schemas.microsoft.com/office/drawing/2014/main" id="{B4F7D7E8-F76C-8397-8C19-1F4716269FB7}"/>
+              </a:ext>
+            </a:extLst>
+          </p:cNvPr>
+          <p:cNvPicPr>
+            <a:picLocks noChangeAspect="1"/>
+          </p:cNvPicPr>
+          <p:nvPr/>
+        </p:nvPicPr>
+        <p:blipFill>
+          <a:blip r:embed="rId3"/>
+          <a:stretch>
+            <a:fillRect/>
+          </a:stretch>
+        </p:blipFill>
+        <p:spPr>
+          <a:xfrm>
+            <a:off x="74141" y="836616"/>
+            <a:ext cx="4695567" cy="202819"/>
+          </a:xfrm>
+          <a:prstGeom prst="rect">
+            <a:avLst/>
+          </a:prstGeom>
+        </p:spPr>
+      </p:pic>
+      <p:pic>
+        <p:nvPicPr>
+          <p:cNvPr id="13" name="Picture 12">
+            <a:extLst>
+              <a:ext uri="{FF2B5EF4-FFF2-40B4-BE49-F238E27FC236}">
+                <a16:creationId xmlns:a16="http://schemas.microsoft.com/office/drawing/2014/main" id="{B108BB3A-C902-0539-614B-C8F3FA663B3D}"/>
+              </a:ext>
+            </a:extLst>
+          </p:cNvPr>
+          <p:cNvPicPr>
+            <a:picLocks noChangeAspect="1"/>
+          </p:cNvPicPr>
+          <p:nvPr/>
+        </p:nvPicPr>
+        <p:blipFill>
+          <a:blip r:embed="rId4"/>
+          <a:stretch>
+            <a:fillRect/>
+          </a:stretch>
+        </p:blipFill>
+        <p:spPr>
+          <a:xfrm>
+            <a:off x="302741" y="1143845"/>
+            <a:ext cx="4466967" cy="5714155"/>
+          </a:xfrm>
+          <a:prstGeom prst="rect">
+            <a:avLst/>
+          </a:prstGeom>
+        </p:spPr>
+      </p:pic>
+    </p:spTree>
+    <p:extLst>
+      <p:ext uri="{BB962C8B-B14F-4D97-AF65-F5344CB8AC3E}">
+        <p14:creationId xmlns:p14="http://schemas.microsoft.com/office/powerpoint/2010/main" val="3448454472"/>
+      </p:ext>
+    </p:extLst>
+  </p:cSld>
+  <p:clrMapOvr>
+    <a:masterClrMapping/>
+  </p:clrMapOvr>
+</p:sld>
+</file>
+
+<file path=ppt/slides/slide11.xml><?xml version="1.0" encoding="utf-8"?>
+<p:sld xmlns:a="http://schemas.openxmlformats.org/drawingml/2006/main" xmlns:r="http://schemas.openxmlformats.org/officeDocument/2006/relationships" xmlns:p="http://schemas.openxmlformats.org/presentationml/2006/main">
+  <p:cSld>
+    <p:spTree>
+      <p:nvGrpSpPr>
+        <p:cNvPr id="1" name=""/>
+        <p:cNvGrpSpPr/>
+        <p:nvPr/>
+      </p:nvGrpSpPr>
+      <p:grpSpPr>
+        <a:xfrm>
+          <a:off x="0" y="0"/>
+          <a:ext cx="0" cy="0"/>
+          <a:chOff x="0" y="0"/>
+          <a:chExt cx="0" cy="0"/>
+        </a:xfrm>
+      </p:grpSpPr>
+      <p:sp>
+        <p:nvSpPr>
+          <p:cNvPr id="7" name="Title 6" hidden="1">
+            <a:extLst>
+              <a:ext uri="{FF2B5EF4-FFF2-40B4-BE49-F238E27FC236}">
+                <a16:creationId xmlns:a16="http://schemas.microsoft.com/office/drawing/2014/main" id="{7C70995F-D8C5-410A-AA8B-1EE172A29454}"/>
+              </a:ext>
+            </a:extLst>
+          </p:cNvPr>
+          <p:cNvSpPr>
+            <a:spLocks noGrp="1"/>
+          </p:cNvSpPr>
+          <p:nvPr>
+            <p:ph type="title" idx="4294967295"/>
+          </p:nvPr>
+        </p:nvSpPr>
+        <p:spPr>
+          <a:xfrm>
+            <a:off x="0" y="365125"/>
+            <a:ext cx="10515600" cy="1325563"/>
+          </a:xfrm>
+        </p:spPr>
+        <p:txBody>
+          <a:bodyPr/>
+          <a:lstStyle/>
+          <a:p>
+            <a:r>
+              <a:rPr lang="en-US" dirty="0"/>
+              <a:t>Project analysis slide 10</a:t>
+            </a:r>
+          </a:p>
+        </p:txBody>
+      </p:sp>
+      <p:cxnSp>
+        <p:nvCxnSpPr>
+          <p:cNvPr id="8" name="Straight Connector 7">
+            <a:extLst>
+              <a:ext uri="{FF2B5EF4-FFF2-40B4-BE49-F238E27FC236}">
+                <a16:creationId xmlns:a16="http://schemas.microsoft.com/office/drawing/2014/main" id="{D0986099-F5F2-4E8B-BE17-81194861A00C}"/>
+              </a:ext>
+              <a:ext uri="{C183D7F6-B498-43B3-948B-1728B52AA6E4}">
+                <adec:decorative xmlns:adec="http://schemas.microsoft.com/office/drawing/2017/decorative" val="1"/>
+              </a:ext>
+            </a:extLst>
+          </p:cNvPr>
+          <p:cNvCxnSpPr>
+            <a:cxnSpLocks/>
+          </p:cNvCxnSpPr>
+          <p:nvPr/>
+        </p:nvCxnSpPr>
+        <p:spPr>
+          <a:xfrm>
+            <a:off x="8105775" y="522898"/>
+            <a:ext cx="4086225" cy="0"/>
+          </a:xfrm>
+          <a:prstGeom prst="line">
+            <a:avLst/>
+          </a:prstGeom>
+          <a:ln>
+            <a:solidFill>
+              <a:schemeClr val="accent3">
+                <a:lumMod val="50000"/>
+              </a:schemeClr>
+            </a:solidFill>
+            <a:headEnd type="oval"/>
+          </a:ln>
+        </p:spPr>
+        <p:style>
+          <a:lnRef idx="1">
+            <a:schemeClr val="accent1"/>
+          </a:lnRef>
+          <a:fillRef idx="0">
+            <a:schemeClr val="accent1"/>
+          </a:fillRef>
+          <a:effectRef idx="0">
+            <a:schemeClr val="accent1"/>
+          </a:effectRef>
+          <a:fontRef idx="minor">
+            <a:schemeClr val="tx1"/>
+          </a:fontRef>
+        </p:style>
+      </p:cxnSp>
+      <p:sp>
+        <p:nvSpPr>
+          <p:cNvPr id="11" name="Title 1">
+            <a:extLst>
+              <a:ext uri="{FF2B5EF4-FFF2-40B4-BE49-F238E27FC236}">
+                <a16:creationId xmlns:a16="http://schemas.microsoft.com/office/drawing/2014/main" id="{4E3F5479-058B-4FA8-92E9-18CAB8CDC5C5}"/>
+              </a:ext>
+            </a:extLst>
+          </p:cNvPr>
+          <p:cNvSpPr txBox="1">
+            <a:spLocks/>
+          </p:cNvSpPr>
+          <p:nvPr/>
+        </p:nvSpPr>
+        <p:spPr>
+          <a:xfrm>
+            <a:off x="228600" y="190500"/>
+            <a:ext cx="11734800" cy="1052596"/>
+          </a:xfrm>
+          <a:prstGeom prst="rect">
+            <a:avLst/>
+          </a:prstGeom>
+        </p:spPr>
+        <p:txBody>
+          <a:bodyPr vert="horz" wrap="square" lIns="0" tIns="0" rIns="0" bIns="0" rtlCol="0" anchor="t">
+            <a:spAutoFit/>
+          </a:bodyPr>
+          <a:lstStyle>
+            <a:lvl1pPr algn="l" defTabSz="914400" rtl="0" eaLnBrk="1" latinLnBrk="0" hangingPunct="1">
+              <a:lnSpc>
+                <a:spcPct val="90000"/>
+              </a:lnSpc>
+              <a:spcBef>
+                <a:spcPct val="0"/>
+              </a:spcBef>
+              <a:buNone/>
+              <a:defRPr sz="4400" kern="1200">
+                <a:solidFill>
+                  <a:schemeClr val="tx1"/>
+                </a:solidFill>
+                <a:latin typeface="+mj-lt"/>
+                <a:ea typeface="+mj-ea"/>
+                <a:cs typeface="+mj-cs"/>
+              </a:defRPr>
+            </a:lvl1pPr>
+          </a:lstStyle>
+          <a:p>
+            <a:pPr algn="ctr"/>
+            <a:r>
+              <a:rPr lang="en-US" sz="2800" b="1" dirty="0">
+                <a:solidFill>
+                  <a:schemeClr val="tx1">
+                    <a:lumMod val="75000"/>
+                    <a:lumOff val="25000"/>
+                  </a:schemeClr>
+                </a:solidFill>
+              </a:rPr>
+              <a:t>Model</a:t>
+            </a:r>
+          </a:p>
+          <a:p>
+            <a:pPr algn="ctr"/>
+            <a:r>
+              <a:rPr lang="en-US" sz="2800" b="1" dirty="0">
+                <a:solidFill>
+                  <a:schemeClr val="tx1">
+                    <a:lumMod val="75000"/>
+                    <a:lumOff val="25000"/>
+                  </a:schemeClr>
+                </a:solidFill>
+              </a:rPr>
+              <a:t>(cont’d)</a:t>
+            </a:r>
+            <a:br>
+              <a:rPr lang="en-US" sz="2800" dirty="0">
+                <a:solidFill>
+                  <a:schemeClr val="tx1">
+                    <a:lumMod val="75000"/>
+                    <a:lumOff val="25000"/>
+                  </a:schemeClr>
+                </a:solidFill>
+              </a:rPr>
+            </a:br>
+            <a:r>
+              <a:rPr lang="en-US" sz="2000" dirty="0">
+                <a:solidFill>
+                  <a:schemeClr val="tx1">
+                    <a:lumMod val="75000"/>
+                    <a:lumOff val="25000"/>
+                  </a:schemeClr>
+                </a:solidFill>
+              </a:rPr>
+              <a:t> </a:t>
+            </a:r>
+            <a:endParaRPr lang="en-US" sz="2800" dirty="0">
+              <a:solidFill>
+                <a:schemeClr val="tx1">
+                  <a:lumMod val="75000"/>
+                  <a:lumOff val="25000"/>
+                </a:schemeClr>
+              </a:solidFill>
+            </a:endParaRPr>
+          </a:p>
+        </p:txBody>
+      </p:sp>
+      <p:cxnSp>
+        <p:nvCxnSpPr>
+          <p:cNvPr id="14" name="Straight Connector 13">
+            <a:extLst>
+              <a:ext uri="{FF2B5EF4-FFF2-40B4-BE49-F238E27FC236}">
+                <a16:creationId xmlns:a16="http://schemas.microsoft.com/office/drawing/2014/main" id="{83E690F4-843A-47A5-8620-4FB01C0D8E68}"/>
+              </a:ext>
+              <a:ext uri="{C183D7F6-B498-43B3-948B-1728B52AA6E4}">
+                <adec:decorative xmlns:adec="http://schemas.microsoft.com/office/drawing/2017/decorative" val="1"/>
+              </a:ext>
+            </a:extLst>
+          </p:cNvPr>
+          <p:cNvCxnSpPr>
+            <a:cxnSpLocks/>
+          </p:cNvCxnSpPr>
+          <p:nvPr/>
+        </p:nvCxnSpPr>
+        <p:spPr>
+          <a:xfrm>
+            <a:off x="0" y="522898"/>
+            <a:ext cx="4086225" cy="0"/>
+          </a:xfrm>
+          <a:prstGeom prst="line">
+            <a:avLst/>
+          </a:prstGeom>
+          <a:ln>
+            <a:solidFill>
+              <a:schemeClr val="accent3">
+                <a:lumMod val="50000"/>
+              </a:schemeClr>
+            </a:solidFill>
+            <a:tailEnd type="oval"/>
+          </a:ln>
+        </p:spPr>
+        <p:style>
+          <a:lnRef idx="1">
+            <a:schemeClr val="accent1"/>
+          </a:lnRef>
+          <a:fillRef idx="0">
+            <a:schemeClr val="accent1"/>
+          </a:fillRef>
+          <a:effectRef idx="0">
+            <a:schemeClr val="accent1"/>
+          </a:effectRef>
+          <a:fontRef idx="minor">
+            <a:schemeClr val="tx1"/>
+          </a:fontRef>
+        </p:style>
+      </p:cxnSp>
+      <p:sp>
+        <p:nvSpPr>
+          <p:cNvPr id="2" name="TextBox 1">
+            <a:extLst>
+              <a:ext uri="{FF2B5EF4-FFF2-40B4-BE49-F238E27FC236}">
+                <a16:creationId xmlns:a16="http://schemas.microsoft.com/office/drawing/2014/main" id="{A175EA77-CBF0-EC4C-67DD-F88E333BD765}"/>
+              </a:ext>
+            </a:extLst>
+          </p:cNvPr>
+          <p:cNvSpPr txBox="1"/>
+          <p:nvPr/>
+        </p:nvSpPr>
+        <p:spPr>
+          <a:xfrm>
+            <a:off x="278028" y="1022135"/>
+            <a:ext cx="11868664" cy="923330"/>
+          </a:xfrm>
+          <a:prstGeom prst="rect">
+            <a:avLst/>
+          </a:prstGeom>
+          <a:noFill/>
+        </p:spPr>
+        <p:txBody>
+          <a:bodyPr wrap="square" rtlCol="0">
+            <a:spAutoFit/>
+          </a:bodyPr>
+          <a:lstStyle/>
+          <a:p>
+            <a:pPr marL="285750" indent="-285750">
+              <a:buFont typeface="Arial" panose="020B0604020202020204" pitchFamily="34" charset="0"/>
+              <a:buChar char="•"/>
+            </a:pPr>
+            <a:r>
+              <a:rPr lang="en-US" dirty="0"/>
+              <a:t>After noting the lack of correlation with our model, we used Pearson correlation coefficient method, a branch method using binomial regression, to dive deeper into our highly correlated attributes.</a:t>
+            </a:r>
+          </a:p>
+          <a:p>
+            <a:pPr marL="285750" indent="-285750">
+              <a:buFont typeface="Arial" panose="020B0604020202020204" pitchFamily="34" charset="0"/>
+              <a:buChar char="•"/>
+            </a:pPr>
+            <a:r>
+              <a:rPr lang="en-US" dirty="0"/>
+              <a:t>Our AIC indicates it’s a bad model.</a:t>
+            </a:r>
+          </a:p>
+        </p:txBody>
+      </p:sp>
+      <p:pic>
+        <p:nvPicPr>
+          <p:cNvPr id="5" name="Picture 4">
+            <a:extLst>
+              <a:ext uri="{FF2B5EF4-FFF2-40B4-BE49-F238E27FC236}">
+                <a16:creationId xmlns:a16="http://schemas.microsoft.com/office/drawing/2014/main" id="{95B08DBE-D87E-BF52-FC1D-77AA1F2B1DDF}"/>
+              </a:ext>
+            </a:extLst>
+          </p:cNvPr>
+          <p:cNvPicPr>
+            <a:picLocks noChangeAspect="1"/>
+          </p:cNvPicPr>
+          <p:nvPr/>
+        </p:nvPicPr>
+        <p:blipFill>
+          <a:blip r:embed="rId3"/>
+          <a:stretch>
+            <a:fillRect/>
+          </a:stretch>
+        </p:blipFill>
+        <p:spPr>
+          <a:xfrm>
+            <a:off x="133175" y="3067716"/>
+            <a:ext cx="6289275" cy="1004650"/>
+          </a:xfrm>
+          <a:prstGeom prst="rect">
+            <a:avLst/>
+          </a:prstGeom>
+        </p:spPr>
+      </p:pic>
+      <p:pic>
+        <p:nvPicPr>
+          <p:cNvPr id="10" name="Picture 9">
+            <a:extLst>
+              <a:ext uri="{FF2B5EF4-FFF2-40B4-BE49-F238E27FC236}">
+                <a16:creationId xmlns:a16="http://schemas.microsoft.com/office/drawing/2014/main" id="{2EC9CADE-3EDB-8F11-EBBD-A042FCDAF658}"/>
+              </a:ext>
+            </a:extLst>
+          </p:cNvPr>
+          <p:cNvPicPr>
+            <a:picLocks noChangeAspect="1"/>
+          </p:cNvPicPr>
+          <p:nvPr/>
+        </p:nvPicPr>
+        <p:blipFill>
+          <a:blip r:embed="rId4"/>
+          <a:stretch>
+            <a:fillRect/>
+          </a:stretch>
+        </p:blipFill>
+        <p:spPr>
+          <a:xfrm>
+            <a:off x="45308" y="5209212"/>
+            <a:ext cx="4285507" cy="626653"/>
+          </a:xfrm>
+          <a:prstGeom prst="rect">
+            <a:avLst/>
+          </a:prstGeom>
+        </p:spPr>
+      </p:pic>
+      <p:pic>
+        <p:nvPicPr>
+          <p:cNvPr id="15" name="Picture 14">
+            <a:extLst>
+              <a:ext uri="{FF2B5EF4-FFF2-40B4-BE49-F238E27FC236}">
+                <a16:creationId xmlns:a16="http://schemas.microsoft.com/office/drawing/2014/main" id="{E3AD3507-70B5-DA62-EE24-EAA463BCD158}"/>
+              </a:ext>
+            </a:extLst>
+          </p:cNvPr>
+          <p:cNvPicPr>
+            <a:picLocks noChangeAspect="1"/>
+          </p:cNvPicPr>
+          <p:nvPr/>
+        </p:nvPicPr>
+        <p:blipFill>
+          <a:blip r:embed="rId5"/>
+          <a:stretch>
+            <a:fillRect/>
+          </a:stretch>
+        </p:blipFill>
+        <p:spPr>
+          <a:xfrm>
+            <a:off x="6555259" y="1605079"/>
+            <a:ext cx="5591433" cy="5247345"/>
+          </a:xfrm>
+          <a:prstGeom prst="rect">
+            <a:avLst/>
+          </a:prstGeom>
+        </p:spPr>
+      </p:pic>
+    </p:spTree>
+    <p:extLst>
+      <p:ext uri="{BB962C8B-B14F-4D97-AF65-F5344CB8AC3E}">
+        <p14:creationId xmlns:p14="http://schemas.microsoft.com/office/powerpoint/2010/main" val="3764131331"/>
+      </p:ext>
+    </p:extLst>
+  </p:cSld>
+  <p:clrMapOvr>
+    <a:masterClrMapping/>
+  </p:clrMapOvr>
+</p:sld>
+</file>
+
+<file path=ppt/slides/slide12.xml><?xml version="1.0" encoding="utf-8"?>
+<p:sld xmlns:a="http://schemas.openxmlformats.org/drawingml/2006/main" xmlns:r="http://schemas.openxmlformats.org/officeDocument/2006/relationships" xmlns:p="http://schemas.openxmlformats.org/presentationml/2006/main">
+  <p:cSld>
+    <p:spTree>
+      <p:nvGrpSpPr>
+        <p:cNvPr id="1" name=""/>
+        <p:cNvGrpSpPr/>
+        <p:nvPr/>
+      </p:nvGrpSpPr>
+      <p:grpSpPr>
+        <a:xfrm>
+          <a:off x="0" y="0"/>
+          <a:ext cx="0" cy="0"/>
+          <a:chOff x="0" y="0"/>
+          <a:chExt cx="0" cy="0"/>
+        </a:xfrm>
+      </p:grpSpPr>
+      <p:sp>
+        <p:nvSpPr>
+          <p:cNvPr id="7" name="Title 6" hidden="1">
+            <a:extLst>
+              <a:ext uri="{FF2B5EF4-FFF2-40B4-BE49-F238E27FC236}">
+                <a16:creationId xmlns:a16="http://schemas.microsoft.com/office/drawing/2014/main" id="{7C70995F-D8C5-410A-AA8B-1EE172A29454}"/>
+              </a:ext>
+            </a:extLst>
+          </p:cNvPr>
+          <p:cNvSpPr>
+            <a:spLocks noGrp="1"/>
+          </p:cNvSpPr>
+          <p:nvPr>
+            <p:ph type="title" idx="4294967295"/>
+          </p:nvPr>
+        </p:nvSpPr>
+        <p:spPr>
+          <a:xfrm>
+            <a:off x="0" y="365125"/>
+            <a:ext cx="10515600" cy="1325563"/>
+          </a:xfrm>
+        </p:spPr>
+        <p:txBody>
+          <a:bodyPr/>
+          <a:lstStyle/>
+          <a:p>
+            <a:r>
+              <a:rPr lang="en-US" dirty="0"/>
+              <a:t>Project analysis slide 10</a:t>
+            </a:r>
+          </a:p>
+        </p:txBody>
+      </p:sp>
+      <p:cxnSp>
+        <p:nvCxnSpPr>
+          <p:cNvPr id="8" name="Straight Connector 7">
+            <a:extLst>
+              <a:ext uri="{FF2B5EF4-FFF2-40B4-BE49-F238E27FC236}">
+                <a16:creationId xmlns:a16="http://schemas.microsoft.com/office/drawing/2014/main" id="{D0986099-F5F2-4E8B-BE17-81194861A00C}"/>
+              </a:ext>
+              <a:ext uri="{C183D7F6-B498-43B3-948B-1728B52AA6E4}">
+                <adec:decorative xmlns:adec="http://schemas.microsoft.com/office/drawing/2017/decorative" val="1"/>
+              </a:ext>
+            </a:extLst>
+          </p:cNvPr>
+          <p:cNvCxnSpPr>
+            <a:cxnSpLocks/>
+          </p:cNvCxnSpPr>
+          <p:nvPr/>
+        </p:nvCxnSpPr>
+        <p:spPr>
+          <a:xfrm>
+            <a:off x="8105775" y="522898"/>
+            <a:ext cx="4086225" cy="0"/>
+          </a:xfrm>
+          <a:prstGeom prst="line">
+            <a:avLst/>
+          </a:prstGeom>
+          <a:ln>
+            <a:solidFill>
+              <a:schemeClr val="accent3">
+                <a:lumMod val="50000"/>
+              </a:schemeClr>
+            </a:solidFill>
+            <a:headEnd type="oval"/>
+          </a:ln>
+        </p:spPr>
+        <p:style>
+          <a:lnRef idx="1">
+            <a:schemeClr val="accent1"/>
+          </a:lnRef>
+          <a:fillRef idx="0">
+            <a:schemeClr val="accent1"/>
+          </a:fillRef>
+          <a:effectRef idx="0">
+            <a:schemeClr val="accent1"/>
+          </a:effectRef>
+          <a:fontRef idx="minor">
+            <a:schemeClr val="tx1"/>
+          </a:fontRef>
+        </p:style>
+      </p:cxnSp>
+      <p:sp>
+        <p:nvSpPr>
+          <p:cNvPr id="11" name="Title 1">
+            <a:extLst>
+              <a:ext uri="{FF2B5EF4-FFF2-40B4-BE49-F238E27FC236}">
+                <a16:creationId xmlns:a16="http://schemas.microsoft.com/office/drawing/2014/main" id="{4E3F5479-058B-4FA8-92E9-18CAB8CDC5C5}"/>
+              </a:ext>
+            </a:extLst>
+          </p:cNvPr>
+          <p:cNvSpPr txBox="1">
+            <a:spLocks/>
+          </p:cNvSpPr>
+          <p:nvPr/>
+        </p:nvSpPr>
+        <p:spPr>
+          <a:xfrm>
+            <a:off x="228600" y="190500"/>
+            <a:ext cx="11734800" cy="1052596"/>
+          </a:xfrm>
+          <a:prstGeom prst="rect">
+            <a:avLst/>
+          </a:prstGeom>
+        </p:spPr>
+        <p:txBody>
+          <a:bodyPr vert="horz" wrap="square" lIns="0" tIns="0" rIns="0" bIns="0" rtlCol="0" anchor="t">
+            <a:spAutoFit/>
+          </a:bodyPr>
+          <a:lstStyle>
+            <a:lvl1pPr algn="l" defTabSz="914400" rtl="0" eaLnBrk="1" latinLnBrk="0" hangingPunct="1">
+              <a:lnSpc>
+                <a:spcPct val="90000"/>
+              </a:lnSpc>
+              <a:spcBef>
+                <a:spcPct val="0"/>
+              </a:spcBef>
+              <a:buNone/>
+              <a:defRPr sz="4400" kern="1200">
+                <a:solidFill>
+                  <a:schemeClr val="tx1"/>
+                </a:solidFill>
+                <a:latin typeface="+mj-lt"/>
+                <a:ea typeface="+mj-ea"/>
+                <a:cs typeface="+mj-cs"/>
+              </a:defRPr>
+            </a:lvl1pPr>
+          </a:lstStyle>
+          <a:p>
+            <a:pPr algn="ctr"/>
+            <a:r>
+              <a:rPr lang="en-US" sz="2800" b="1" dirty="0">
+                <a:solidFill>
+                  <a:schemeClr val="tx1">
+                    <a:lumMod val="75000"/>
+                    <a:lumOff val="25000"/>
+                  </a:schemeClr>
+                </a:solidFill>
+              </a:rPr>
+              <a:t>Model</a:t>
+            </a:r>
+          </a:p>
+          <a:p>
+            <a:pPr algn="ctr"/>
+            <a:r>
+              <a:rPr lang="en-US" sz="2800" b="1" dirty="0">
+                <a:solidFill>
+                  <a:schemeClr val="tx1">
+                    <a:lumMod val="75000"/>
+                    <a:lumOff val="25000"/>
+                  </a:schemeClr>
+                </a:solidFill>
+              </a:rPr>
+              <a:t>(cont’d)</a:t>
+            </a:r>
+            <a:br>
+              <a:rPr lang="en-US" sz="2800" dirty="0">
+                <a:solidFill>
+                  <a:schemeClr val="tx1">
+                    <a:lumMod val="75000"/>
+                    <a:lumOff val="25000"/>
+                  </a:schemeClr>
+                </a:solidFill>
+              </a:rPr>
+            </a:br>
+            <a:r>
+              <a:rPr lang="en-US" sz="2000" dirty="0">
+                <a:solidFill>
+                  <a:schemeClr val="tx1">
+                    <a:lumMod val="75000"/>
+                    <a:lumOff val="25000"/>
+                  </a:schemeClr>
+                </a:solidFill>
+              </a:rPr>
+              <a:t> </a:t>
+            </a:r>
+            <a:endParaRPr lang="en-US" sz="2800" dirty="0">
+              <a:solidFill>
+                <a:schemeClr val="tx1">
+                  <a:lumMod val="75000"/>
+                  <a:lumOff val="25000"/>
+                </a:schemeClr>
+              </a:solidFill>
+            </a:endParaRPr>
+          </a:p>
+        </p:txBody>
+      </p:sp>
+      <p:cxnSp>
+        <p:nvCxnSpPr>
+          <p:cNvPr id="14" name="Straight Connector 13">
+            <a:extLst>
+              <a:ext uri="{FF2B5EF4-FFF2-40B4-BE49-F238E27FC236}">
+                <a16:creationId xmlns:a16="http://schemas.microsoft.com/office/drawing/2014/main" id="{83E690F4-843A-47A5-8620-4FB01C0D8E68}"/>
+              </a:ext>
+              <a:ext uri="{C183D7F6-B498-43B3-948B-1728B52AA6E4}">
+                <adec:decorative xmlns:adec="http://schemas.microsoft.com/office/drawing/2017/decorative" val="1"/>
+              </a:ext>
+            </a:extLst>
+          </p:cNvPr>
+          <p:cNvCxnSpPr>
+            <a:cxnSpLocks/>
+          </p:cNvCxnSpPr>
+          <p:nvPr/>
+        </p:nvCxnSpPr>
+        <p:spPr>
+          <a:xfrm>
+            <a:off x="0" y="522898"/>
+            <a:ext cx="4086225" cy="0"/>
+          </a:xfrm>
+          <a:prstGeom prst="line">
+            <a:avLst/>
+          </a:prstGeom>
+          <a:ln>
+            <a:solidFill>
+              <a:schemeClr val="accent3">
+                <a:lumMod val="50000"/>
+              </a:schemeClr>
+            </a:solidFill>
+            <a:tailEnd type="oval"/>
+          </a:ln>
+        </p:spPr>
+        <p:style>
+          <a:lnRef idx="1">
+            <a:schemeClr val="accent1"/>
+          </a:lnRef>
+          <a:fillRef idx="0">
+            <a:schemeClr val="accent1"/>
+          </a:fillRef>
+          <a:effectRef idx="0">
+            <a:schemeClr val="accent1"/>
+          </a:effectRef>
+          <a:fontRef idx="minor">
+            <a:schemeClr val="tx1"/>
+          </a:fontRef>
+        </p:style>
+      </p:cxnSp>
+      <p:sp>
+        <p:nvSpPr>
+          <p:cNvPr id="2" name="TextBox 1">
+            <a:extLst>
+              <a:ext uri="{FF2B5EF4-FFF2-40B4-BE49-F238E27FC236}">
+                <a16:creationId xmlns:a16="http://schemas.microsoft.com/office/drawing/2014/main" id="{A175EA77-CBF0-EC4C-67DD-F88E333BD765}"/>
+              </a:ext>
+            </a:extLst>
+          </p:cNvPr>
+          <p:cNvSpPr txBox="1"/>
+          <p:nvPr/>
+        </p:nvSpPr>
+        <p:spPr>
+          <a:xfrm>
+            <a:off x="5016843" y="1243096"/>
+            <a:ext cx="6895072" cy="1200329"/>
+          </a:xfrm>
+          <a:prstGeom prst="rect">
+            <a:avLst/>
+          </a:prstGeom>
+          <a:noFill/>
+        </p:spPr>
+        <p:txBody>
+          <a:bodyPr wrap="square" rtlCol="0">
+            <a:spAutoFit/>
+          </a:bodyPr>
+          <a:lstStyle/>
+          <a:p>
+            <a:pPr marL="285750" indent="-285750">
+              <a:buFont typeface="Arial" panose="020B0604020202020204" pitchFamily="34" charset="0"/>
+              <a:buChar char="•"/>
+            </a:pPr>
+            <a:r>
+              <a:rPr lang="en-US" dirty="0"/>
+              <a:t>Function relevel() was used to transform our negative and positive values in accordance to our confusion matrix need (see below). </a:t>
+            </a:r>
+          </a:p>
+          <a:p>
+            <a:pPr marL="285750" indent="-285750">
+              <a:buFont typeface="Arial" panose="020B0604020202020204" pitchFamily="34" charset="0"/>
+              <a:buChar char="•"/>
+            </a:pPr>
+            <a:r>
+              <a:rPr lang="en-US" dirty="0"/>
+              <a:t>This improves precision by partially mitigating false-positives and false-negative. </a:t>
+            </a:r>
+          </a:p>
+        </p:txBody>
+      </p:sp>
+      <p:pic>
+        <p:nvPicPr>
+          <p:cNvPr id="4" name="Picture 3">
+            <a:extLst>
+              <a:ext uri="{FF2B5EF4-FFF2-40B4-BE49-F238E27FC236}">
+                <a16:creationId xmlns:a16="http://schemas.microsoft.com/office/drawing/2014/main" id="{44A3D051-2765-94C8-11C1-A628C25BC982}"/>
+              </a:ext>
+            </a:extLst>
+          </p:cNvPr>
+          <p:cNvPicPr>
+            <a:picLocks noChangeAspect="1"/>
+          </p:cNvPicPr>
+          <p:nvPr/>
+        </p:nvPicPr>
+        <p:blipFill>
+          <a:blip r:embed="rId3"/>
+          <a:stretch>
+            <a:fillRect/>
+          </a:stretch>
+        </p:blipFill>
+        <p:spPr>
+          <a:xfrm>
+            <a:off x="85030" y="1245827"/>
+            <a:ext cx="4338394" cy="329665"/>
+          </a:xfrm>
+          <a:prstGeom prst="rect">
+            <a:avLst/>
+          </a:prstGeom>
+        </p:spPr>
+      </p:pic>
+      <p:pic>
+        <p:nvPicPr>
+          <p:cNvPr id="9" name="Picture 8">
+            <a:extLst>
+              <a:ext uri="{FF2B5EF4-FFF2-40B4-BE49-F238E27FC236}">
+                <a16:creationId xmlns:a16="http://schemas.microsoft.com/office/drawing/2014/main" id="{C418CE29-97EF-B9A8-5936-D5ADB74F1830}"/>
+              </a:ext>
+            </a:extLst>
+          </p:cNvPr>
+          <p:cNvPicPr>
+            <a:picLocks noChangeAspect="1"/>
+          </p:cNvPicPr>
+          <p:nvPr/>
+        </p:nvPicPr>
+        <p:blipFill>
+          <a:blip r:embed="rId4"/>
+          <a:stretch>
+            <a:fillRect/>
+          </a:stretch>
+        </p:blipFill>
+        <p:spPr>
+          <a:xfrm>
+            <a:off x="14628" y="1630835"/>
+            <a:ext cx="4951890" cy="2916451"/>
+          </a:xfrm>
+          <a:prstGeom prst="rect">
+            <a:avLst/>
+          </a:prstGeom>
+        </p:spPr>
+      </p:pic>
+      <p:pic>
+        <p:nvPicPr>
+          <p:cNvPr id="17" name="Picture 16">
+            <a:extLst>
+              <a:ext uri="{FF2B5EF4-FFF2-40B4-BE49-F238E27FC236}">
+                <a16:creationId xmlns:a16="http://schemas.microsoft.com/office/drawing/2014/main" id="{3EFB00E3-1CB3-E3C5-9656-373D3AF4FB30}"/>
+              </a:ext>
+            </a:extLst>
+          </p:cNvPr>
+          <p:cNvPicPr>
+            <a:picLocks noChangeAspect="1"/>
+          </p:cNvPicPr>
+          <p:nvPr/>
+        </p:nvPicPr>
+        <p:blipFill>
+          <a:blip r:embed="rId5"/>
+          <a:stretch>
+            <a:fillRect/>
+          </a:stretch>
+        </p:blipFill>
+        <p:spPr>
+          <a:xfrm>
+            <a:off x="0" y="4819136"/>
+            <a:ext cx="4799495" cy="1203477"/>
+          </a:xfrm>
+          <a:prstGeom prst="rect">
+            <a:avLst/>
+          </a:prstGeom>
+        </p:spPr>
+      </p:pic>
+      <p:pic>
+        <p:nvPicPr>
+          <p:cNvPr id="20" name="Picture 19">
+            <a:extLst>
+              <a:ext uri="{FF2B5EF4-FFF2-40B4-BE49-F238E27FC236}">
+                <a16:creationId xmlns:a16="http://schemas.microsoft.com/office/drawing/2014/main" id="{142B86D1-A59C-481A-F797-5B7724EE7895}"/>
+              </a:ext>
+            </a:extLst>
+          </p:cNvPr>
+          <p:cNvPicPr>
+            <a:picLocks noChangeAspect="1"/>
+          </p:cNvPicPr>
+          <p:nvPr/>
+        </p:nvPicPr>
+        <p:blipFill>
+          <a:blip r:embed="rId6">
+            <a:extLst>
+              <a:ext uri="{28A0092B-C50C-407E-A947-70E740481C1C}">
+                <a14:useLocalDpi xmlns:a14="http://schemas.microsoft.com/office/drawing/2010/main" val="0"/>
+              </a:ext>
+            </a:extLst>
+          </a:blip>
+          <a:stretch>
+            <a:fillRect/>
+          </a:stretch>
+        </p:blipFill>
+        <p:spPr>
+          <a:xfrm>
+            <a:off x="5406578" y="3614351"/>
+            <a:ext cx="5275838" cy="3109742"/>
+          </a:xfrm>
+          <a:prstGeom prst="rect">
+            <a:avLst/>
+          </a:prstGeom>
+        </p:spPr>
+      </p:pic>
+    </p:spTree>
+    <p:extLst>
+      <p:ext uri="{BB962C8B-B14F-4D97-AF65-F5344CB8AC3E}">
+        <p14:creationId xmlns:p14="http://schemas.microsoft.com/office/powerpoint/2010/main" val="3026373003"/>
+      </p:ext>
+    </p:extLst>
+  </p:cSld>
+  <p:clrMapOvr>
+    <a:masterClrMapping/>
+  </p:clrMapOvr>
+</p:sld>
+</file>
+
+<file path=ppt/slides/slide13.xml><?xml version="1.0" encoding="utf-8"?>
+<p:sld xmlns:a="http://schemas.openxmlformats.org/drawingml/2006/main" xmlns:r="http://schemas.openxmlformats.org/officeDocument/2006/relationships" xmlns:p="http://schemas.openxmlformats.org/presentationml/2006/main">
+  <p:cSld>
+    <p:spTree>
+      <p:nvGrpSpPr>
+        <p:cNvPr id="1" name=""/>
+        <p:cNvGrpSpPr/>
+        <p:nvPr/>
+      </p:nvGrpSpPr>
+      <p:grpSpPr>
+        <a:xfrm>
+          <a:off x="0" y="0"/>
+          <a:ext cx="0" cy="0"/>
+          <a:chOff x="0" y="0"/>
+          <a:chExt cx="0" cy="0"/>
+        </a:xfrm>
+      </p:grpSpPr>
+      <p:sp>
+        <p:nvSpPr>
+          <p:cNvPr id="7" name="Title 6" hidden="1">
+            <a:extLst>
+              <a:ext uri="{FF2B5EF4-FFF2-40B4-BE49-F238E27FC236}">
+                <a16:creationId xmlns:a16="http://schemas.microsoft.com/office/drawing/2014/main" id="{7C70995F-D8C5-410A-AA8B-1EE172A29454}"/>
+              </a:ext>
+            </a:extLst>
+          </p:cNvPr>
+          <p:cNvSpPr>
+            <a:spLocks noGrp="1"/>
+          </p:cNvSpPr>
+          <p:nvPr>
+            <p:ph type="title" idx="4294967295"/>
+          </p:nvPr>
+        </p:nvSpPr>
+        <p:spPr>
+          <a:xfrm>
+            <a:off x="0" y="365125"/>
+            <a:ext cx="10515600" cy="1325563"/>
+          </a:xfrm>
+        </p:spPr>
+        <p:txBody>
+          <a:bodyPr/>
+          <a:lstStyle/>
+          <a:p>
+            <a:r>
+              <a:rPr lang="en-US" dirty="0"/>
+              <a:t>Project analysis slide 10</a:t>
+            </a:r>
+          </a:p>
+        </p:txBody>
+      </p:sp>
+      <p:cxnSp>
+        <p:nvCxnSpPr>
+          <p:cNvPr id="8" name="Straight Connector 7">
+            <a:extLst>
+              <a:ext uri="{FF2B5EF4-FFF2-40B4-BE49-F238E27FC236}">
+                <a16:creationId xmlns:a16="http://schemas.microsoft.com/office/drawing/2014/main" id="{D0986099-F5F2-4E8B-BE17-81194861A00C}"/>
+              </a:ext>
+              <a:ext uri="{C183D7F6-B498-43B3-948B-1728B52AA6E4}">
+                <adec:decorative xmlns:adec="http://schemas.microsoft.com/office/drawing/2017/decorative" val="1"/>
+              </a:ext>
+            </a:extLst>
+          </p:cNvPr>
+          <p:cNvCxnSpPr>
+            <a:cxnSpLocks/>
+          </p:cNvCxnSpPr>
+          <p:nvPr/>
+        </p:nvCxnSpPr>
+        <p:spPr>
+          <a:xfrm>
+            <a:off x="8105775" y="522898"/>
+            <a:ext cx="4086225" cy="0"/>
+          </a:xfrm>
+          <a:prstGeom prst="line">
+            <a:avLst/>
+          </a:prstGeom>
+          <a:ln>
+            <a:solidFill>
+              <a:schemeClr val="accent3">
+                <a:lumMod val="50000"/>
+              </a:schemeClr>
+            </a:solidFill>
+            <a:headEnd type="oval"/>
+          </a:ln>
+        </p:spPr>
+        <p:style>
+          <a:lnRef idx="1">
+            <a:schemeClr val="accent1"/>
+          </a:lnRef>
+          <a:fillRef idx="0">
+            <a:schemeClr val="accent1"/>
+          </a:fillRef>
+          <a:effectRef idx="0">
+            <a:schemeClr val="accent1"/>
+          </a:effectRef>
+          <a:fontRef idx="minor">
+            <a:schemeClr val="tx1"/>
+          </a:fontRef>
+        </p:style>
+      </p:cxnSp>
+      <p:sp>
+        <p:nvSpPr>
+          <p:cNvPr id="11" name="Title 1">
+            <a:extLst>
+              <a:ext uri="{FF2B5EF4-FFF2-40B4-BE49-F238E27FC236}">
+                <a16:creationId xmlns:a16="http://schemas.microsoft.com/office/drawing/2014/main" id="{4E3F5479-058B-4FA8-92E9-18CAB8CDC5C5}"/>
+              </a:ext>
+            </a:extLst>
+          </p:cNvPr>
+          <p:cNvSpPr txBox="1">
+            <a:spLocks/>
+          </p:cNvSpPr>
+          <p:nvPr/>
+        </p:nvSpPr>
+        <p:spPr>
+          <a:xfrm>
+            <a:off x="228600" y="190500"/>
+            <a:ext cx="11734800" cy="1052596"/>
+          </a:xfrm>
+          <a:prstGeom prst="rect">
+            <a:avLst/>
+          </a:prstGeom>
+        </p:spPr>
+        <p:txBody>
+          <a:bodyPr vert="horz" wrap="square" lIns="0" tIns="0" rIns="0" bIns="0" rtlCol="0" anchor="t">
+            <a:spAutoFit/>
+          </a:bodyPr>
+          <a:lstStyle>
+            <a:lvl1pPr algn="l" defTabSz="914400" rtl="0" eaLnBrk="1" latinLnBrk="0" hangingPunct="1">
+              <a:lnSpc>
+                <a:spcPct val="90000"/>
+              </a:lnSpc>
+              <a:spcBef>
+                <a:spcPct val="0"/>
+              </a:spcBef>
+              <a:buNone/>
+              <a:defRPr sz="4400" kern="1200">
+                <a:solidFill>
+                  <a:schemeClr val="tx1"/>
+                </a:solidFill>
+                <a:latin typeface="+mj-lt"/>
+                <a:ea typeface="+mj-ea"/>
+                <a:cs typeface="+mj-cs"/>
+              </a:defRPr>
+            </a:lvl1pPr>
+          </a:lstStyle>
+          <a:p>
+            <a:pPr algn="ctr"/>
+            <a:r>
+              <a:rPr lang="en-US" sz="2800" b="1" dirty="0">
+                <a:solidFill>
+                  <a:schemeClr val="tx1">
+                    <a:lumMod val="75000"/>
+                    <a:lumOff val="25000"/>
+                  </a:schemeClr>
+                </a:solidFill>
+              </a:rPr>
+              <a:t>Model</a:t>
+            </a:r>
+          </a:p>
+          <a:p>
+            <a:pPr algn="ctr"/>
+            <a:r>
+              <a:rPr lang="en-US" sz="2800" b="1" dirty="0">
+                <a:solidFill>
+                  <a:schemeClr val="tx1">
+                    <a:lumMod val="75000"/>
+                    <a:lumOff val="25000"/>
+                  </a:schemeClr>
+                </a:solidFill>
+              </a:rPr>
+              <a:t>(cont’d)</a:t>
+            </a:r>
+            <a:br>
+              <a:rPr lang="en-US" sz="2800" dirty="0">
+                <a:solidFill>
+                  <a:schemeClr val="tx1">
+                    <a:lumMod val="75000"/>
+                    <a:lumOff val="25000"/>
+                  </a:schemeClr>
+                </a:solidFill>
+              </a:rPr>
+            </a:br>
+            <a:r>
+              <a:rPr lang="en-US" sz="2000" dirty="0">
+                <a:solidFill>
+                  <a:schemeClr val="tx1">
+                    <a:lumMod val="75000"/>
+                    <a:lumOff val="25000"/>
+                  </a:schemeClr>
+                </a:solidFill>
+              </a:rPr>
+              <a:t> </a:t>
+            </a:r>
+            <a:endParaRPr lang="en-US" sz="2800" dirty="0">
+              <a:solidFill>
+                <a:schemeClr val="tx1">
+                  <a:lumMod val="75000"/>
+                  <a:lumOff val="25000"/>
+                </a:schemeClr>
+              </a:solidFill>
+            </a:endParaRPr>
+          </a:p>
+        </p:txBody>
+      </p:sp>
+      <p:cxnSp>
+        <p:nvCxnSpPr>
+          <p:cNvPr id="14" name="Straight Connector 13">
+            <a:extLst>
+              <a:ext uri="{FF2B5EF4-FFF2-40B4-BE49-F238E27FC236}">
+                <a16:creationId xmlns:a16="http://schemas.microsoft.com/office/drawing/2014/main" id="{83E690F4-843A-47A5-8620-4FB01C0D8E68}"/>
+              </a:ext>
+              <a:ext uri="{C183D7F6-B498-43B3-948B-1728B52AA6E4}">
+                <adec:decorative xmlns:adec="http://schemas.microsoft.com/office/drawing/2017/decorative" val="1"/>
+              </a:ext>
+            </a:extLst>
+          </p:cNvPr>
+          <p:cNvCxnSpPr>
+            <a:cxnSpLocks/>
+          </p:cNvCxnSpPr>
+          <p:nvPr/>
+        </p:nvCxnSpPr>
+        <p:spPr>
+          <a:xfrm>
+            <a:off x="0" y="522898"/>
+            <a:ext cx="4086225" cy="0"/>
+          </a:xfrm>
+          <a:prstGeom prst="line">
+            <a:avLst/>
+          </a:prstGeom>
+          <a:ln>
+            <a:solidFill>
+              <a:schemeClr val="accent3">
+                <a:lumMod val="50000"/>
+              </a:schemeClr>
+            </a:solidFill>
+            <a:tailEnd type="oval"/>
+          </a:ln>
+        </p:spPr>
+        <p:style>
+          <a:lnRef idx="1">
+            <a:schemeClr val="accent1"/>
+          </a:lnRef>
+          <a:fillRef idx="0">
+            <a:schemeClr val="accent1"/>
+          </a:fillRef>
+          <a:effectRef idx="0">
+            <a:schemeClr val="accent1"/>
+          </a:effectRef>
+          <a:fontRef idx="minor">
+            <a:schemeClr val="tx1"/>
+          </a:fontRef>
+        </p:style>
+      </p:cxnSp>
+      <p:pic>
+        <p:nvPicPr>
+          <p:cNvPr id="5" name="Picture 4">
+            <a:extLst>
+              <a:ext uri="{FF2B5EF4-FFF2-40B4-BE49-F238E27FC236}">
+                <a16:creationId xmlns:a16="http://schemas.microsoft.com/office/drawing/2014/main" id="{FF2D9CC5-B4A1-6360-4C0B-7D8CD6E7CE07}"/>
+              </a:ext>
+            </a:extLst>
+          </p:cNvPr>
+          <p:cNvPicPr>
+            <a:picLocks noChangeAspect="1"/>
+          </p:cNvPicPr>
+          <p:nvPr/>
+        </p:nvPicPr>
+        <p:blipFill>
+          <a:blip r:embed="rId3"/>
+          <a:stretch>
+            <a:fillRect/>
+          </a:stretch>
+        </p:blipFill>
+        <p:spPr>
+          <a:xfrm>
+            <a:off x="6452" y="2296120"/>
+            <a:ext cx="3200125" cy="4561880"/>
+          </a:xfrm>
+          <a:prstGeom prst="rect">
+            <a:avLst/>
+          </a:prstGeom>
+        </p:spPr>
+      </p:pic>
+      <p:pic>
+        <p:nvPicPr>
+          <p:cNvPr id="10" name="Picture 9">
+            <a:extLst>
+              <a:ext uri="{FF2B5EF4-FFF2-40B4-BE49-F238E27FC236}">
+                <a16:creationId xmlns:a16="http://schemas.microsoft.com/office/drawing/2014/main" id="{8E4E6E10-592B-AAA0-D278-AD0E97ADEBD7}"/>
+              </a:ext>
+            </a:extLst>
+          </p:cNvPr>
+          <p:cNvPicPr>
+            <a:picLocks noChangeAspect="1"/>
+          </p:cNvPicPr>
+          <p:nvPr/>
+        </p:nvPicPr>
+        <p:blipFill>
+          <a:blip r:embed="rId4"/>
+          <a:stretch>
+            <a:fillRect/>
+          </a:stretch>
+        </p:blipFill>
+        <p:spPr>
+          <a:xfrm>
+            <a:off x="4086225" y="2804403"/>
+            <a:ext cx="5344271" cy="476316"/>
+          </a:xfrm>
+          <a:prstGeom prst="rect">
+            <a:avLst/>
+          </a:prstGeom>
+        </p:spPr>
+      </p:pic>
+      <p:pic>
+        <p:nvPicPr>
+          <p:cNvPr id="13" name="Picture 12">
+            <a:extLst>
+              <a:ext uri="{FF2B5EF4-FFF2-40B4-BE49-F238E27FC236}">
+                <a16:creationId xmlns:a16="http://schemas.microsoft.com/office/drawing/2014/main" id="{361B72DE-CE90-E7AA-7BE5-0FA9BE0891E9}"/>
+              </a:ext>
+            </a:extLst>
+          </p:cNvPr>
+          <p:cNvPicPr>
+            <a:picLocks noChangeAspect="1"/>
+          </p:cNvPicPr>
+          <p:nvPr/>
+        </p:nvPicPr>
+        <p:blipFill>
+          <a:blip r:embed="rId5"/>
+          <a:stretch>
+            <a:fillRect/>
+          </a:stretch>
+        </p:blipFill>
+        <p:spPr>
+          <a:xfrm>
+            <a:off x="4086226" y="3280719"/>
+            <a:ext cx="5351260" cy="3577281"/>
+          </a:xfrm>
+          <a:prstGeom prst="rect">
+            <a:avLst/>
+          </a:prstGeom>
+        </p:spPr>
+      </p:pic>
+      <p:sp>
+        <p:nvSpPr>
+          <p:cNvPr id="15" name="TextBox 14">
+            <a:extLst>
+              <a:ext uri="{FF2B5EF4-FFF2-40B4-BE49-F238E27FC236}">
+                <a16:creationId xmlns:a16="http://schemas.microsoft.com/office/drawing/2014/main" id="{8BC4F798-BEB0-9653-2F8B-A33AE1028411}"/>
+              </a:ext>
+            </a:extLst>
+          </p:cNvPr>
+          <p:cNvSpPr txBox="1"/>
+          <p:nvPr/>
+        </p:nvSpPr>
+        <p:spPr>
+          <a:xfrm>
+            <a:off x="864973" y="1141530"/>
+            <a:ext cx="10787120" cy="923330"/>
+          </a:xfrm>
+          <a:prstGeom prst="rect">
+            <a:avLst/>
+          </a:prstGeom>
+          <a:noFill/>
+        </p:spPr>
+        <p:txBody>
+          <a:bodyPr wrap="none" rtlCol="0">
+            <a:spAutoFit/>
+          </a:bodyPr>
+          <a:lstStyle/>
+          <a:p>
+            <a:r>
+              <a:rPr lang="en-US" dirty="0"/>
+              <a:t>Our confusion matrix indicates our model has a costly likelihood of obtaining a false-negative or false-positive </a:t>
+            </a:r>
+          </a:p>
+          <a:p>
+            <a:r>
+              <a:rPr lang="en-US" dirty="0"/>
+              <a:t>prediction. Therefore it may predict a crime to be antisemitic when it is not or incorrectly </a:t>
+            </a:r>
+          </a:p>
+          <a:p>
+            <a:r>
+              <a:rPr lang="en-US" dirty="0"/>
+              <a:t>indicate a crime is not antisemitic when it is. These factors make the model a poor fit overall.</a:t>
+            </a:r>
+          </a:p>
+        </p:txBody>
+      </p:sp>
+    </p:spTree>
+    <p:extLst>
+      <p:ext uri="{BB962C8B-B14F-4D97-AF65-F5344CB8AC3E}">
+        <p14:creationId xmlns:p14="http://schemas.microsoft.com/office/powerpoint/2010/main" val="3619901039"/>
+      </p:ext>
+    </p:extLst>
+  </p:cSld>
+  <p:clrMapOvr>
+    <a:masterClrMapping/>
+  </p:clrMapOvr>
+</p:sld>
+</file>
+
+<file path=ppt/slides/slide14.xml><?xml version="1.0" encoding="utf-8"?>
+<p:sld xmlns:a="http://schemas.openxmlformats.org/drawingml/2006/main" xmlns:r="http://schemas.openxmlformats.org/officeDocument/2006/relationships" xmlns:p="http://schemas.openxmlformats.org/presentationml/2006/main">
+  <p:cSld>
+    <p:spTree>
+      <p:nvGrpSpPr>
+        <p:cNvPr id="1" name=""/>
+        <p:cNvGrpSpPr/>
+        <p:nvPr/>
+      </p:nvGrpSpPr>
+      <p:grpSpPr>
+        <a:xfrm>
+          <a:off x="0" y="0"/>
+          <a:ext cx="0" cy="0"/>
+          <a:chOff x="0" y="0"/>
+          <a:chExt cx="0" cy="0"/>
+        </a:xfrm>
+      </p:grpSpPr>
+      <p:cxnSp>
+        <p:nvCxnSpPr>
+          <p:cNvPr id="2" name="Straight Connector 1">
+            <a:extLst>
+              <a:ext uri="{FF2B5EF4-FFF2-40B4-BE49-F238E27FC236}">
+                <a16:creationId xmlns:a16="http://schemas.microsoft.com/office/drawing/2014/main" id="{7C63538B-7F31-9F23-C721-C6899C7A2B3F}"/>
+              </a:ext>
+              <a:ext uri="{C183D7F6-B498-43B3-948B-1728B52AA6E4}">
+                <adec:decorative xmlns:adec="http://schemas.microsoft.com/office/drawing/2017/decorative" val="1"/>
+              </a:ext>
+            </a:extLst>
+          </p:cNvPr>
+          <p:cNvCxnSpPr>
+            <a:cxnSpLocks/>
+          </p:cNvCxnSpPr>
+          <p:nvPr/>
+        </p:nvCxnSpPr>
+        <p:spPr>
+          <a:xfrm>
+            <a:off x="8105775" y="522898"/>
+            <a:ext cx="4086225" cy="0"/>
+          </a:xfrm>
+          <a:prstGeom prst="line">
+            <a:avLst/>
+          </a:prstGeom>
+          <a:ln>
+            <a:solidFill>
+              <a:schemeClr val="accent3">
+                <a:lumMod val="50000"/>
+              </a:schemeClr>
+            </a:solidFill>
+            <a:headEnd type="oval"/>
+          </a:ln>
+        </p:spPr>
+        <p:style>
+          <a:lnRef idx="1">
+            <a:schemeClr val="accent1"/>
+          </a:lnRef>
+          <a:fillRef idx="0">
+            <a:schemeClr val="accent1"/>
+          </a:fillRef>
+          <a:effectRef idx="0">
+            <a:schemeClr val="accent1"/>
+          </a:effectRef>
+          <a:fontRef idx="minor">
+            <a:schemeClr val="tx1"/>
+          </a:fontRef>
+        </p:style>
+      </p:cxnSp>
+      <p:sp>
+        <p:nvSpPr>
+          <p:cNvPr id="3" name="Title 1">
+            <a:extLst>
+              <a:ext uri="{FF2B5EF4-FFF2-40B4-BE49-F238E27FC236}">
+                <a16:creationId xmlns:a16="http://schemas.microsoft.com/office/drawing/2014/main" id="{51758625-47A2-29C2-C035-4652273F5458}"/>
+              </a:ext>
+            </a:extLst>
+          </p:cNvPr>
+          <p:cNvSpPr txBox="1">
+            <a:spLocks/>
+          </p:cNvSpPr>
+          <p:nvPr/>
+        </p:nvSpPr>
+        <p:spPr>
+          <a:xfrm>
+            <a:off x="228600" y="190500"/>
+            <a:ext cx="11734800" cy="387798"/>
+          </a:xfrm>
+          <a:prstGeom prst="rect">
+            <a:avLst/>
+          </a:prstGeom>
+        </p:spPr>
+        <p:txBody>
+          <a:bodyPr vert="horz" wrap="square" lIns="0" tIns="0" rIns="0" bIns="0" rtlCol="0" anchor="t">
+            <a:spAutoFit/>
+          </a:bodyPr>
+          <a:lstStyle>
+            <a:lvl1pPr algn="l" defTabSz="914400" rtl="0" eaLnBrk="1" latinLnBrk="0" hangingPunct="1">
+              <a:lnSpc>
+                <a:spcPct val="90000"/>
+              </a:lnSpc>
+              <a:spcBef>
+                <a:spcPct val="0"/>
+              </a:spcBef>
+              <a:buNone/>
+              <a:defRPr sz="4400" kern="1200">
+                <a:solidFill>
+                  <a:schemeClr val="tx1"/>
+                </a:solidFill>
+                <a:latin typeface="+mj-lt"/>
+                <a:ea typeface="+mj-ea"/>
+                <a:cs typeface="+mj-cs"/>
+              </a:defRPr>
+            </a:lvl1pPr>
+          </a:lstStyle>
+          <a:p>
+            <a:pPr algn="ctr"/>
+            <a:r>
+              <a:rPr lang="en-US" sz="2800" b="1" dirty="0">
+                <a:solidFill>
+                  <a:schemeClr val="tx1">
+                    <a:lumMod val="75000"/>
+                    <a:lumOff val="25000"/>
+                  </a:schemeClr>
+                </a:solidFill>
+              </a:rPr>
+              <a:t>Conclusion</a:t>
+            </a:r>
+            <a:r>
+              <a:rPr lang="en-US" sz="2000" dirty="0">
+                <a:solidFill>
+                  <a:schemeClr val="tx1">
+                    <a:lumMod val="75000"/>
+                    <a:lumOff val="25000"/>
+                  </a:schemeClr>
+                </a:solidFill>
+              </a:rPr>
+              <a:t> </a:t>
+            </a:r>
+            <a:endParaRPr lang="en-US" sz="2800" dirty="0">
+              <a:solidFill>
+                <a:schemeClr val="tx1">
+                  <a:lumMod val="75000"/>
+                  <a:lumOff val="25000"/>
+                </a:schemeClr>
+              </a:solidFill>
+            </a:endParaRPr>
+          </a:p>
+        </p:txBody>
+      </p:sp>
+      <p:cxnSp>
+        <p:nvCxnSpPr>
+          <p:cNvPr id="4" name="Straight Connector 3">
+            <a:extLst>
+              <a:ext uri="{FF2B5EF4-FFF2-40B4-BE49-F238E27FC236}">
+                <a16:creationId xmlns:a16="http://schemas.microsoft.com/office/drawing/2014/main" id="{5E2D8AC9-90D7-5FEB-2B79-5B331BF89F7F}"/>
+              </a:ext>
+              <a:ext uri="{C183D7F6-B498-43B3-948B-1728B52AA6E4}">
+                <adec:decorative xmlns:adec="http://schemas.microsoft.com/office/drawing/2017/decorative" val="1"/>
+              </a:ext>
+            </a:extLst>
+          </p:cNvPr>
+          <p:cNvCxnSpPr>
+            <a:cxnSpLocks/>
+          </p:cNvCxnSpPr>
+          <p:nvPr/>
+        </p:nvCxnSpPr>
+        <p:spPr>
+          <a:xfrm>
+            <a:off x="0" y="522898"/>
+            <a:ext cx="4086225" cy="0"/>
+          </a:xfrm>
+          <a:prstGeom prst="line">
+            <a:avLst/>
+          </a:prstGeom>
+          <a:ln>
+            <a:solidFill>
+              <a:schemeClr val="accent3">
+                <a:lumMod val="50000"/>
+              </a:schemeClr>
+            </a:solidFill>
+            <a:tailEnd type="oval"/>
+          </a:ln>
+        </p:spPr>
+        <p:style>
+          <a:lnRef idx="1">
+            <a:schemeClr val="accent1"/>
+          </a:lnRef>
+          <a:fillRef idx="0">
+            <a:schemeClr val="accent1"/>
+          </a:fillRef>
+          <a:effectRef idx="0">
+            <a:schemeClr val="accent1"/>
+          </a:effectRef>
+          <a:fontRef idx="minor">
+            <a:schemeClr val="tx1"/>
+          </a:fontRef>
+        </p:style>
+      </p:cxnSp>
+      <p:sp>
+        <p:nvSpPr>
+          <p:cNvPr id="5" name="TextBox 4">
+            <a:extLst>
+              <a:ext uri="{FF2B5EF4-FFF2-40B4-BE49-F238E27FC236}">
+                <a16:creationId xmlns:a16="http://schemas.microsoft.com/office/drawing/2014/main" id="{3A9D29D4-58A0-EE97-300A-E261CF55CA5C}"/>
+              </a:ext>
+            </a:extLst>
+          </p:cNvPr>
+          <p:cNvSpPr txBox="1"/>
+          <p:nvPr/>
+        </p:nvSpPr>
+        <p:spPr>
+          <a:xfrm>
+            <a:off x="376881" y="1421027"/>
+            <a:ext cx="10985157" cy="1477328"/>
+          </a:xfrm>
+          <a:prstGeom prst="rect">
+            <a:avLst/>
+          </a:prstGeom>
+          <a:noFill/>
+        </p:spPr>
+        <p:txBody>
+          <a:bodyPr wrap="square" rtlCol="0">
+            <a:spAutoFit/>
+          </a:bodyPr>
+          <a:lstStyle/>
+          <a:p>
+            <a:r>
+              <a:rPr lang="en-US" dirty="0"/>
+              <a:t>Going through the regression steps as per our Data 621 Fall ’23 course, did not result in a model that supported predicting antisemitic crimes. We were able to identify this model is not a good fit from our results. Identifying poor models is a positive step in identifying a good models for the future. Factors that will allow us to identify future stronger models include cleanliness of data, high-correlation, statistical significance and high metrics derived from the confusion matrix.</a:t>
+            </a:r>
+          </a:p>
+        </p:txBody>
+      </p:sp>
+    </p:spTree>
+    <p:extLst>
+      <p:ext uri="{BB962C8B-B14F-4D97-AF65-F5344CB8AC3E}">
+        <p14:creationId xmlns:p14="http://schemas.microsoft.com/office/powerpoint/2010/main" val="2222362965"/>
+      </p:ext>
+    </p:extLst>
+  </p:cSld>
+  <p:clrMapOvr>
+    <a:masterClrMapping/>
+  </p:clrMapOvr>
+</p:sld>
+</file>
+
+<file path=ppt/slides/slide15.xml><?xml version="1.0" encoding="utf-8"?>
+<p:sld xmlns:a="http://schemas.openxmlformats.org/drawingml/2006/main" xmlns:r="http://schemas.openxmlformats.org/officeDocument/2006/relationships" xmlns:p="http://schemas.openxmlformats.org/presentationml/2006/main">
+  <p:cSld>
     <p:bg>
       <p:bgPr>
         <a:pattFill prst="zigZag">
@@ -7082,130 +9339,6 @@
           </a:prstGeom>
           <a:solidFill>
             <a:schemeClr val="accent3">
-              <a:lumMod val="75000"/>
-            </a:schemeClr>
-          </a:solidFill>
-          <a:ln>
-            <a:noFill/>
-          </a:ln>
-        </p:spPr>
-        <p:style>
-          <a:lnRef idx="2">
-            <a:schemeClr val="accent1">
-              <a:shade val="50000"/>
-            </a:schemeClr>
-          </a:lnRef>
-          <a:fillRef idx="1">
-            <a:schemeClr val="accent1"/>
-          </a:fillRef>
-          <a:effectRef idx="0">
-            <a:schemeClr val="accent1"/>
-          </a:effectRef>
-          <a:fontRef idx="minor">
-            <a:schemeClr val="lt1"/>
-          </a:fontRef>
-        </p:style>
-        <p:txBody>
-          <a:bodyPr rtlCol="0" anchor="ctr"/>
-          <a:lstStyle/>
-          <a:p>
-            <a:pPr algn="ctr"/>
-            <a:endParaRPr lang="en-US" dirty="0"/>
-          </a:p>
-        </p:txBody>
-      </p:sp>
-      <p:sp>
-        <p:nvSpPr>
-          <p:cNvPr id="21" name="Rectangle: Rounded Corners 20">
-            <a:extLst>
-              <a:ext uri="{FF2B5EF4-FFF2-40B4-BE49-F238E27FC236}">
-                <a16:creationId xmlns:a16="http://schemas.microsoft.com/office/drawing/2014/main" id="{952C5002-7E64-4069-ACA0-6876E54A9B46}"/>
-              </a:ext>
-              <a:ext uri="{C183D7F6-B498-43B3-948B-1728B52AA6E4}">
-                <adec:decorative xmlns:adec="http://schemas.microsoft.com/office/drawing/2017/decorative" val="1"/>
-              </a:ext>
-            </a:extLst>
-          </p:cNvPr>
-          <p:cNvSpPr/>
-          <p:nvPr/>
-        </p:nvSpPr>
-        <p:spPr>
-          <a:xfrm>
-            <a:off x="6943725" y="5154978"/>
-            <a:ext cx="3660775" cy="740997"/>
-          </a:xfrm>
-          <a:prstGeom prst="roundRect">
-            <a:avLst>
-              <a:gd name="adj" fmla="val 50000"/>
-            </a:avLst>
-          </a:prstGeom>
-          <a:solidFill>
-            <a:schemeClr val="accent4"/>
-          </a:solidFill>
-          <a:ln>
-            <a:noFill/>
-          </a:ln>
-        </p:spPr>
-        <p:style>
-          <a:lnRef idx="2">
-            <a:schemeClr val="accent1">
-              <a:shade val="50000"/>
-            </a:schemeClr>
-          </a:lnRef>
-          <a:fillRef idx="1">
-            <a:schemeClr val="accent1"/>
-          </a:fillRef>
-          <a:effectRef idx="0">
-            <a:schemeClr val="accent1"/>
-          </a:effectRef>
-          <a:fontRef idx="minor">
-            <a:schemeClr val="lt1"/>
-          </a:fontRef>
-        </p:style>
-        <p:txBody>
-          <a:bodyPr rtlCol="0" anchor="ctr"/>
-          <a:lstStyle/>
-          <a:p>
-            <a:pPr algn="ctr"/>
-            <a:r>
-              <a:rPr lang="en-US" sz="1600" dirty="0"/>
-              <a:t>[can be </a:t>
-            </a:r>
-          </a:p>
-          <a:p>
-            <a:pPr algn="ctr"/>
-            <a:r>
-              <a:rPr lang="en-US" sz="1600" dirty="0"/>
-              <a:t>removed if not used]</a:t>
-            </a:r>
-          </a:p>
-        </p:txBody>
-      </p:sp>
-      <p:sp>
-        <p:nvSpPr>
-          <p:cNvPr id="22" name="Oval 21">
-            <a:extLst>
-              <a:ext uri="{FF2B5EF4-FFF2-40B4-BE49-F238E27FC236}">
-                <a16:creationId xmlns:a16="http://schemas.microsoft.com/office/drawing/2014/main" id="{A49C5F3A-6F0D-4A0F-AE6E-92F342C22ACD}"/>
-              </a:ext>
-              <a:ext uri="{C183D7F6-B498-43B3-948B-1728B52AA6E4}">
-                <adec:decorative xmlns:adec="http://schemas.microsoft.com/office/drawing/2017/decorative" val="1"/>
-              </a:ext>
-            </a:extLst>
-          </p:cNvPr>
-          <p:cNvSpPr/>
-          <p:nvPr/>
-        </p:nvSpPr>
-        <p:spPr>
-          <a:xfrm>
-            <a:off x="6832600" y="5055576"/>
-            <a:ext cx="939800" cy="939800"/>
-          </a:xfrm>
-          <a:prstGeom prst="ellipse">
-            <a:avLst/>
-          </a:prstGeom>
-          <a:solidFill>
-            <a:schemeClr val="accent4">
               <a:lumMod val="75000"/>
             </a:schemeClr>
           </a:solidFill>
@@ -18606,6 +20739,96 @@
           </a:prstGeom>
         </p:spPr>
       </p:pic>
+      <p:sp>
+        <p:nvSpPr>
+          <p:cNvPr id="3" name="TextBox 2">
+            <a:extLst>
+              <a:ext uri="{FF2B5EF4-FFF2-40B4-BE49-F238E27FC236}">
+                <a16:creationId xmlns:a16="http://schemas.microsoft.com/office/drawing/2014/main" id="{9A4845B2-E63A-E444-E40E-FBB8EF197768}"/>
+              </a:ext>
+            </a:extLst>
+          </p:cNvPr>
+          <p:cNvSpPr txBox="1"/>
+          <p:nvPr/>
+        </p:nvSpPr>
+        <p:spPr>
+          <a:xfrm>
+            <a:off x="7577000" y="3719384"/>
+            <a:ext cx="1371600" cy="1046697"/>
+          </a:xfrm>
+          <a:prstGeom prst="rect">
+            <a:avLst/>
+          </a:prstGeom>
+          <a:noFill/>
+        </p:spPr>
+        <p:txBody>
+          <a:bodyPr wrap="square" rtlCol="0">
+            <a:spAutoFit/>
+          </a:bodyPr>
+          <a:lstStyle/>
+          <a:p>
+            <a:pPr algn="ctr">
+              <a:lnSpc>
+                <a:spcPts val="1900"/>
+              </a:lnSpc>
+            </a:pPr>
+            <a:r>
+              <a:rPr lang="en-US" sz="1400" dirty="0">
+                <a:solidFill>
+                  <a:schemeClr val="bg1"/>
+                </a:solidFill>
+                <a:cs typeface="Segoe UI" panose="020B0502040204020203" pitchFamily="34" charset="0"/>
+              </a:rPr>
+              <a:t>Review findings and assess strength of model</a:t>
+            </a:r>
+          </a:p>
+        </p:txBody>
+      </p:sp>
+      <p:sp>
+        <p:nvSpPr>
+          <p:cNvPr id="6" name="TextBox 5">
+            <a:extLst>
+              <a:ext uri="{FF2B5EF4-FFF2-40B4-BE49-F238E27FC236}">
+                <a16:creationId xmlns:a16="http://schemas.microsoft.com/office/drawing/2014/main" id="{A32EFD93-C16E-3B38-E625-74B9C6E3A43D}"/>
+              </a:ext>
+            </a:extLst>
+          </p:cNvPr>
+          <p:cNvSpPr txBox="1"/>
+          <p:nvPr/>
+        </p:nvSpPr>
+        <p:spPr>
+          <a:xfrm>
+            <a:off x="9779156" y="3719384"/>
+            <a:ext cx="1371600" cy="803040"/>
+          </a:xfrm>
+          <a:prstGeom prst="rect">
+            <a:avLst/>
+          </a:prstGeom>
+          <a:noFill/>
+        </p:spPr>
+        <p:txBody>
+          <a:bodyPr wrap="square" rtlCol="0">
+            <a:spAutoFit/>
+          </a:bodyPr>
+          <a:lstStyle/>
+          <a:p>
+            <a:pPr algn="ctr">
+              <a:lnSpc>
+                <a:spcPts val="1900"/>
+              </a:lnSpc>
+            </a:pPr>
+            <a:r>
+              <a:rPr lang="en-US" sz="1400" dirty="0">
+                <a:solidFill>
+                  <a:schemeClr val="bg1"/>
+                </a:solidFill>
+                <a:cs typeface="Segoe UI" panose="020B0502040204020203" pitchFamily="34" charset="0"/>
+              </a:rPr>
+              <a:t>Conclude results from data</a:t>
+            </a:r>
+          </a:p>
+        </p:txBody>
+      </p:sp>
     </p:spTree>
     <p:extLst>
       <p:ext uri="{BB962C8B-B14F-4D97-AF65-F5344CB8AC3E}">
@@ -18691,8 +20914,8 @@
         </p:blipFill>
         <p:spPr>
           <a:xfrm>
-            <a:off x="-3332" y="1042614"/>
-            <a:ext cx="2792268" cy="991559"/>
+            <a:off x="-3333" y="1042614"/>
+            <a:ext cx="4420873" cy="1569891"/>
           </a:xfrm>
           <a:prstGeom prst="rect">
             <a:avLst/>
@@ -18898,7 +21121,7 @@
         </p:nvSpPr>
         <p:spPr>
           <a:xfrm>
-            <a:off x="3018082" y="1110842"/>
+            <a:off x="7596260" y="1042614"/>
             <a:ext cx="4252239" cy="1754326"/>
           </a:xfrm>
           <a:prstGeom prst="rect">
@@ -18966,7 +21189,7 @@
         <p:spPr>
           <a:xfrm>
             <a:off x="-1" y="2659053"/>
-            <a:ext cx="2170999" cy="3357363"/>
+            <a:ext cx="2706131" cy="4184923"/>
           </a:xfrm>
           <a:prstGeom prst="rect">
             <a:avLst/>
@@ -19002,8 +21225,8 @@
         </p:blipFill>
         <p:spPr>
           <a:xfrm>
-            <a:off x="2176608" y="4298386"/>
-            <a:ext cx="3152349" cy="1718030"/>
+            <a:off x="2751198" y="4245496"/>
+            <a:ext cx="4744707" cy="2585865"/>
           </a:xfrm>
           <a:prstGeom prst="rect">
             <a:avLst/>
@@ -21139,6 +23362,117 @@
           </a:fontRef>
         </p:style>
       </p:cxnSp>
+      <p:pic>
+        <p:nvPicPr>
+          <p:cNvPr id="3" name="Picture 2">
+            <a:extLst>
+              <a:ext uri="{FF2B5EF4-FFF2-40B4-BE49-F238E27FC236}">
+                <a16:creationId xmlns:a16="http://schemas.microsoft.com/office/drawing/2014/main" id="{3F421CF4-5C9F-B707-D842-716BDC95E644}"/>
+              </a:ext>
+            </a:extLst>
+          </p:cNvPr>
+          <p:cNvPicPr>
+            <a:picLocks noChangeAspect="1"/>
+          </p:cNvPicPr>
+          <p:nvPr/>
+        </p:nvPicPr>
+        <p:blipFill>
+          <a:blip r:embed="rId3"/>
+          <a:stretch>
+            <a:fillRect/>
+          </a:stretch>
+        </p:blipFill>
+        <p:spPr>
+          <a:xfrm>
+            <a:off x="61146" y="2798911"/>
+            <a:ext cx="7287642" cy="333422"/>
+          </a:xfrm>
+          <a:prstGeom prst="rect">
+            <a:avLst/>
+          </a:prstGeom>
+        </p:spPr>
+      </p:pic>
+      <p:pic>
+        <p:nvPicPr>
+          <p:cNvPr id="5" name="Picture 4">
+            <a:extLst>
+              <a:ext uri="{FF2B5EF4-FFF2-40B4-BE49-F238E27FC236}">
+                <a16:creationId xmlns:a16="http://schemas.microsoft.com/office/drawing/2014/main" id="{D4BA1791-D1B8-DA56-D4F3-DB5FAF865531}"/>
+              </a:ext>
+            </a:extLst>
+          </p:cNvPr>
+          <p:cNvPicPr>
+            <a:picLocks noChangeAspect="1"/>
+          </p:cNvPicPr>
+          <p:nvPr/>
+        </p:nvPicPr>
+        <p:blipFill>
+          <a:blip r:embed="rId4"/>
+          <a:stretch>
+            <a:fillRect/>
+          </a:stretch>
+        </p:blipFill>
+        <p:spPr>
+          <a:xfrm>
+            <a:off x="0" y="3131309"/>
+            <a:ext cx="6544588" cy="3391373"/>
+          </a:xfrm>
+          <a:prstGeom prst="rect">
+            <a:avLst/>
+          </a:prstGeom>
+        </p:spPr>
+      </p:pic>
+      <p:sp>
+        <p:nvSpPr>
+          <p:cNvPr id="6" name="TextBox 5">
+            <a:extLst>
+              <a:ext uri="{FF2B5EF4-FFF2-40B4-BE49-F238E27FC236}">
+                <a16:creationId xmlns:a16="http://schemas.microsoft.com/office/drawing/2014/main" id="{7782B172-2423-E45D-F00E-084493B44B05}"/>
+              </a:ext>
+            </a:extLst>
+          </p:cNvPr>
+          <p:cNvSpPr txBox="1"/>
+          <p:nvPr/>
+        </p:nvSpPr>
+        <p:spPr>
+          <a:xfrm>
+            <a:off x="302741" y="1136822"/>
+            <a:ext cx="11660659" cy="923330"/>
+          </a:xfrm>
+          <a:prstGeom prst="rect">
+            <a:avLst/>
+          </a:prstGeom>
+          <a:noFill/>
+        </p:spPr>
+        <p:txBody>
+          <a:bodyPr wrap="square" rtlCol="0">
+            <a:spAutoFit/>
+          </a:bodyPr>
+          <a:lstStyle/>
+          <a:p>
+            <a:r>
+              <a:rPr lang="en-US" dirty="0"/>
+              <a:t>Function </a:t>
+            </a:r>
+            <a:r>
+              <a:rPr lang="en-US" dirty="0" err="1"/>
+              <a:t>cor</a:t>
+            </a:r>
+            <a:r>
+              <a:rPr lang="en-US" dirty="0"/>
+              <a:t>() was used to identify the level of correlation for our attribute. Values above the threshold of 0.95 but below 1, was designated at ‘</a:t>
+            </a:r>
+            <a:r>
+              <a:rPr lang="en-US" dirty="0" err="1"/>
+              <a:t>highly_correlated_pair</a:t>
+            </a:r>
+            <a:r>
+              <a:rPr lang="en-US" dirty="0"/>
+              <a:t>’. The resulting row and column count for highly correlated pairs is listed below.</a:t>
+            </a:r>
+          </a:p>
+        </p:txBody>
+      </p:sp>
     </p:spTree>
     <p:extLst>
       <p:ext uri="{BB962C8B-B14F-4D97-AF65-F5344CB8AC3E}">
@@ -21944,15 +24278,6 @@
 </file>
 
 <file path=customXml/item1.xml><?xml version="1.0" encoding="utf-8"?>
-<?mso-contentType ?>
-<FormTemplates xmlns="http://schemas.microsoft.com/sharepoint/v3/contenttype/forms">
-  <Display>DocumentLibraryForm</Display>
-  <Edit>DocumentLibraryForm</Edit>
-  <New>DocumentLibraryForm</New>
-</FormTemplates>
-</file>
-
-<file path=customXml/item2.xml><?xml version="1.0" encoding="utf-8"?>
 <ct:contentTypeSchema xmlns:ct="http://schemas.microsoft.com/office/2006/metadata/contentType" xmlns:ma="http://schemas.microsoft.com/office/2006/metadata/properties/metaAttributes" ct:_="" ma:_="" ma:contentTypeName="Document" ma:contentTypeID="0x01010079F111ED35F8CC479449609E8A0923A6" ma:contentTypeVersion="11" ma:contentTypeDescription="Create a new document." ma:contentTypeScope="" ma:versionID="9677210f24a1be23c92c90fd886aa0aa">
   <xsd:schema xmlns:xsd="http://www.w3.org/2001/XMLSchema" xmlns:xs="http://www.w3.org/2001/XMLSchema" xmlns:p="http://schemas.microsoft.com/office/2006/metadata/properties" xmlns:ns2="71af3243-3dd4-4a8d-8c0d-dd76da1f02a5" xmlns:ns3="16c05727-aa75-4e4a-9b5f-8a80a1165891" targetNamespace="http://schemas.microsoft.com/office/2006/metadata/properties" ma:root="true" ma:fieldsID="60e05723c5c1908df1a1a4ebf11d344e" ns2:_="" ns3:_="">
     <xsd:import namespace="71af3243-3dd4-4a8d-8c0d-dd76da1f02a5"/>
@@ -22163,6 +24488,15 @@
 </ct:contentTypeSchema>
 </file>
 
+<file path=customXml/item2.xml><?xml version="1.0" encoding="utf-8"?>
+<?mso-contentType ?>
+<FormTemplates xmlns="http://schemas.microsoft.com/sharepoint/v3/contenttype/forms">
+  <Display>DocumentLibraryForm</Display>
+  <Edit>DocumentLibraryForm</Edit>
+  <New>DocumentLibraryForm</New>
+</FormTemplates>
+</file>
+
 <file path=customXml/item3.xml><?xml version="1.0" encoding="utf-8"?>
 <p:properties xmlns:p="http://schemas.microsoft.com/office/2006/metadata/properties" xmlns:xsi="http://www.w3.org/2001/XMLSchema-instance" xmlns:pc="http://schemas.microsoft.com/office/infopath/2007/PartnerControls">
   <documentManagement>
@@ -22172,14 +24506,6 @@
 </file>
 
 <file path=customXml/itemProps1.xml><?xml version="1.0" encoding="utf-8"?>
-<ds:datastoreItem xmlns:ds="http://schemas.openxmlformats.org/officeDocument/2006/customXml" ds:itemID="{2FD05317-60D6-4B3A-8545-888496D1A8EC}">
-  <ds:schemaRefs>
-    <ds:schemaRef ds:uri="http://schemas.microsoft.com/sharepoint/v3/contenttype/forms"/>
-  </ds:schemaRefs>
-</ds:datastoreItem>
-</file>
-
-<file path=customXml/itemProps2.xml><?xml version="1.0" encoding="utf-8"?>
 <ds:datastoreItem xmlns:ds="http://schemas.openxmlformats.org/officeDocument/2006/customXml" ds:itemID="{61A00BBF-EEBB-4E18-B8CB-F926EAAC48F7}">
   <ds:schemaRefs>
     <ds:schemaRef ds:uri="http://schemas.microsoft.com/office/2006/metadata/contentType"/>
@@ -22198,6 +24524,14 @@
 </ds:datastoreItem>
 </file>
 
+<file path=customXml/itemProps2.xml><?xml version="1.0" encoding="utf-8"?>
+<ds:datastoreItem xmlns:ds="http://schemas.openxmlformats.org/officeDocument/2006/customXml" ds:itemID="{2FD05317-60D6-4B3A-8545-888496D1A8EC}">
+  <ds:schemaRefs>
+    <ds:schemaRef ds:uri="http://schemas.microsoft.com/sharepoint/v3/contenttype/forms"/>
+  </ds:schemaRefs>
+</ds:datastoreItem>
+</file>
+
 <file path=customXml/itemProps3.xml><?xml version="1.0" encoding="utf-8"?>
 <ds:datastoreItem xmlns:ds="http://schemas.openxmlformats.org/officeDocument/2006/customXml" ds:itemID="{EF609EDA-869E-4BE5-AE5D-B898C584B6FF}">
   <ds:schemaRefs>
